--- a/MockupKandog.pptx
+++ b/MockupKandog.pptx
@@ -4,17 +4,21 @@
   <p:sldMasterIdLst>
     <p:sldMasterId id="2147483648" r:id="rId1"/>
   </p:sldMasterIdLst>
+  <p:notesMasterIdLst>
+    <p:notesMasterId r:id="rId13"/>
+  </p:notesMasterIdLst>
   <p:sldIdLst>
     <p:sldId id="257" r:id="rId2"/>
-    <p:sldId id="258" r:id="rId3"/>
-    <p:sldId id="259" r:id="rId4"/>
-    <p:sldId id="260" r:id="rId5"/>
-    <p:sldId id="261" r:id="rId6"/>
-    <p:sldId id="264" r:id="rId7"/>
-    <p:sldId id="265" r:id="rId8"/>
-    <p:sldId id="266" r:id="rId9"/>
-    <p:sldId id="262" r:id="rId10"/>
-    <p:sldId id="263" r:id="rId11"/>
+    <p:sldId id="267" r:id="rId3"/>
+    <p:sldId id="258" r:id="rId4"/>
+    <p:sldId id="259" r:id="rId5"/>
+    <p:sldId id="260" r:id="rId6"/>
+    <p:sldId id="261" r:id="rId7"/>
+    <p:sldId id="264" r:id="rId8"/>
+    <p:sldId id="265" r:id="rId9"/>
+    <p:sldId id="266" r:id="rId10"/>
+    <p:sldId id="262" r:id="rId11"/>
+    <p:sldId id="263" r:id="rId12"/>
   </p:sldIdLst>
   <p:sldSz cx="12192000" cy="6858000"/>
   <p:notesSz cx="6858000" cy="9144000"/>
@@ -113,7 +117,530 @@
       </a:defRPr>
     </a:lvl9pPr>
   </p:defaultTextStyle>
+  <p:extLst>
+    <p:ext uri="{EFAFB233-063F-42B5-8137-9DF3F51BA10A}">
+      <p15:sldGuideLst xmlns:p15="http://schemas.microsoft.com/office/powerpoint/2012/main"/>
+    </p:ext>
+  </p:extLst>
 </p:presentation>
+</file>
+
+<file path=ppt/notesMasters/notesMaster1.xml><?xml version="1.0" encoding="utf-8"?>
+<p:notesMaster xmlns:a="http://schemas.openxmlformats.org/drawingml/2006/main" xmlns:r="http://schemas.openxmlformats.org/officeDocument/2006/relationships" xmlns:p="http://schemas.openxmlformats.org/presentationml/2006/main">
+  <p:cSld>
+    <p:bg>
+      <p:bgRef idx="1001">
+        <a:schemeClr val="bg1"/>
+      </p:bgRef>
+    </p:bg>
+    <p:spTree>
+      <p:nvGrpSpPr>
+        <p:cNvPr id="1" name=""/>
+        <p:cNvGrpSpPr/>
+        <p:nvPr/>
+      </p:nvGrpSpPr>
+      <p:grpSpPr>
+        <a:xfrm>
+          <a:off x="0" y="0"/>
+          <a:ext cx="0" cy="0"/>
+          <a:chOff x="0" y="0"/>
+          <a:chExt cx="0" cy="0"/>
+        </a:xfrm>
+      </p:grpSpPr>
+      <p:sp>
+        <p:nvSpPr>
+          <p:cNvPr id="2" name="Marcador de encabezado 1"/>
+          <p:cNvSpPr>
+            <a:spLocks noGrp="1"/>
+          </p:cNvSpPr>
+          <p:nvPr>
+            <p:ph type="hdr" sz="quarter"/>
+          </p:nvPr>
+        </p:nvSpPr>
+        <p:spPr>
+          <a:xfrm>
+            <a:off x="0" y="0"/>
+            <a:ext cx="2971800" cy="458788"/>
+          </a:xfrm>
+          <a:prstGeom prst="rect">
+            <a:avLst/>
+          </a:prstGeom>
+        </p:spPr>
+        <p:txBody>
+          <a:bodyPr vert="horz" lIns="91440" tIns="45720" rIns="91440" bIns="45720" rtlCol="0"/>
+          <a:lstStyle>
+            <a:lvl1pPr algn="l">
+              <a:defRPr sz="1200"/>
+            </a:lvl1pPr>
+          </a:lstStyle>
+          <a:p>
+            <a:endParaRPr lang="es-ES"/>
+          </a:p>
+        </p:txBody>
+      </p:sp>
+      <p:sp>
+        <p:nvSpPr>
+          <p:cNvPr id="3" name="Marcador de fecha 2"/>
+          <p:cNvSpPr>
+            <a:spLocks noGrp="1"/>
+          </p:cNvSpPr>
+          <p:nvPr>
+            <p:ph type="dt" idx="1"/>
+          </p:nvPr>
+        </p:nvSpPr>
+        <p:spPr>
+          <a:xfrm>
+            <a:off x="3884613" y="0"/>
+            <a:ext cx="2971800" cy="458788"/>
+          </a:xfrm>
+          <a:prstGeom prst="rect">
+            <a:avLst/>
+          </a:prstGeom>
+        </p:spPr>
+        <p:txBody>
+          <a:bodyPr vert="horz" lIns="91440" tIns="45720" rIns="91440" bIns="45720" rtlCol="0"/>
+          <a:lstStyle>
+            <a:lvl1pPr algn="r">
+              <a:defRPr sz="1200"/>
+            </a:lvl1pPr>
+          </a:lstStyle>
+          <a:p>
+            <a:fld id="{AFBA802D-7FE1-4459-A1B9-9CAEBF8852BA}" type="datetimeFigureOut">
+              <a:rPr lang="es-ES" smtClean="0"/>
+              <a:t>18/04/2024</a:t>
+            </a:fld>
+            <a:endParaRPr lang="es-ES"/>
+          </a:p>
+        </p:txBody>
+      </p:sp>
+      <p:sp>
+        <p:nvSpPr>
+          <p:cNvPr id="4" name="Marcador de imagen de diapositiva 3"/>
+          <p:cNvSpPr>
+            <a:spLocks noGrp="1" noRot="1" noChangeAspect="1"/>
+          </p:cNvSpPr>
+          <p:nvPr>
+            <p:ph type="sldImg" idx="2"/>
+          </p:nvPr>
+        </p:nvSpPr>
+        <p:spPr>
+          <a:xfrm>
+            <a:off x="685800" y="1143000"/>
+            <a:ext cx="5486400" cy="3086100"/>
+          </a:xfrm>
+          <a:prstGeom prst="rect">
+            <a:avLst/>
+          </a:prstGeom>
+          <a:noFill/>
+          <a:ln w="12700">
+            <a:solidFill>
+              <a:prstClr val="black"/>
+            </a:solidFill>
+          </a:ln>
+        </p:spPr>
+        <p:txBody>
+          <a:bodyPr vert="horz" lIns="91440" tIns="45720" rIns="91440" bIns="45720" rtlCol="0" anchor="ctr"/>
+          <a:lstStyle/>
+          <a:p>
+            <a:endParaRPr lang="es-ES"/>
+          </a:p>
+        </p:txBody>
+      </p:sp>
+      <p:sp>
+        <p:nvSpPr>
+          <p:cNvPr id="5" name="Marcador de notas 4"/>
+          <p:cNvSpPr>
+            <a:spLocks noGrp="1"/>
+          </p:cNvSpPr>
+          <p:nvPr>
+            <p:ph type="body" sz="quarter" idx="3"/>
+          </p:nvPr>
+        </p:nvSpPr>
+        <p:spPr>
+          <a:xfrm>
+            <a:off x="685800" y="4400550"/>
+            <a:ext cx="5486400" cy="3600450"/>
+          </a:xfrm>
+          <a:prstGeom prst="rect">
+            <a:avLst/>
+          </a:prstGeom>
+        </p:spPr>
+        <p:txBody>
+          <a:bodyPr vert="horz" lIns="91440" tIns="45720" rIns="91440" bIns="45720" rtlCol="0"/>
+          <a:lstStyle/>
+          <a:p>
+            <a:pPr lvl="0"/>
+            <a:r>
+              <a:rPr lang="es-ES" smtClean="0"/>
+              <a:t>Haga clic para modificar el estilo de texto del patrón</a:t>
+            </a:r>
+          </a:p>
+          <a:p>
+            <a:pPr lvl="1"/>
+            <a:r>
+              <a:rPr lang="es-ES" smtClean="0"/>
+              <a:t>Segundo nivel</a:t>
+            </a:r>
+          </a:p>
+          <a:p>
+            <a:pPr lvl="2"/>
+            <a:r>
+              <a:rPr lang="es-ES" smtClean="0"/>
+              <a:t>Tercer nivel</a:t>
+            </a:r>
+          </a:p>
+          <a:p>
+            <a:pPr lvl="3"/>
+            <a:r>
+              <a:rPr lang="es-ES" smtClean="0"/>
+              <a:t>Cuarto nivel</a:t>
+            </a:r>
+          </a:p>
+          <a:p>
+            <a:pPr lvl="4"/>
+            <a:r>
+              <a:rPr lang="es-ES" smtClean="0"/>
+              <a:t>Quinto nivel</a:t>
+            </a:r>
+            <a:endParaRPr lang="es-ES"/>
+          </a:p>
+        </p:txBody>
+      </p:sp>
+      <p:sp>
+        <p:nvSpPr>
+          <p:cNvPr id="6" name="Marcador de pie de página 5"/>
+          <p:cNvSpPr>
+            <a:spLocks noGrp="1"/>
+          </p:cNvSpPr>
+          <p:nvPr>
+            <p:ph type="ftr" sz="quarter" idx="4"/>
+          </p:nvPr>
+        </p:nvSpPr>
+        <p:spPr>
+          <a:xfrm>
+            <a:off x="0" y="8685213"/>
+            <a:ext cx="2971800" cy="458787"/>
+          </a:xfrm>
+          <a:prstGeom prst="rect">
+            <a:avLst/>
+          </a:prstGeom>
+        </p:spPr>
+        <p:txBody>
+          <a:bodyPr vert="horz" lIns="91440" tIns="45720" rIns="91440" bIns="45720" rtlCol="0" anchor="b"/>
+          <a:lstStyle>
+            <a:lvl1pPr algn="l">
+              <a:defRPr sz="1200"/>
+            </a:lvl1pPr>
+          </a:lstStyle>
+          <a:p>
+            <a:endParaRPr lang="es-ES"/>
+          </a:p>
+        </p:txBody>
+      </p:sp>
+      <p:sp>
+        <p:nvSpPr>
+          <p:cNvPr id="7" name="Marcador de número de diapositiva 6"/>
+          <p:cNvSpPr>
+            <a:spLocks noGrp="1"/>
+          </p:cNvSpPr>
+          <p:nvPr>
+            <p:ph type="sldNum" sz="quarter" idx="5"/>
+          </p:nvPr>
+        </p:nvSpPr>
+        <p:spPr>
+          <a:xfrm>
+            <a:off x="3884613" y="8685213"/>
+            <a:ext cx="2971800" cy="458787"/>
+          </a:xfrm>
+          <a:prstGeom prst="rect">
+            <a:avLst/>
+          </a:prstGeom>
+        </p:spPr>
+        <p:txBody>
+          <a:bodyPr vert="horz" lIns="91440" tIns="45720" rIns="91440" bIns="45720" rtlCol="0" anchor="b"/>
+          <a:lstStyle>
+            <a:lvl1pPr algn="r">
+              <a:defRPr sz="1200"/>
+            </a:lvl1pPr>
+          </a:lstStyle>
+          <a:p>
+            <a:fld id="{F38D60B6-46CA-4AA9-A29B-049F7B4C173D}" type="slidenum">
+              <a:rPr lang="es-ES" smtClean="0"/>
+              <a:t>‹Nº›</a:t>
+            </a:fld>
+            <a:endParaRPr lang="es-ES"/>
+          </a:p>
+        </p:txBody>
+      </p:sp>
+    </p:spTree>
+    <p:extLst>
+      <p:ext uri="{BB962C8B-B14F-4D97-AF65-F5344CB8AC3E}">
+        <p14:creationId xmlns:p14="http://schemas.microsoft.com/office/powerpoint/2010/main" val="3531983441"/>
+      </p:ext>
+    </p:extLst>
+  </p:cSld>
+  <p:clrMap bg1="lt1" tx1="dk1" bg2="lt2" tx2="dk2" accent1="accent1" accent2="accent2" accent3="accent3" accent4="accent4" accent5="accent5" accent6="accent6" hlink="hlink" folHlink="folHlink"/>
+  <p:notesStyle>
+    <a:lvl1pPr marL="0" algn="l" defTabSz="914400" rtl="0" eaLnBrk="1" latinLnBrk="0" hangingPunct="1">
+      <a:defRPr sz="1200" kern="1200">
+        <a:solidFill>
+          <a:schemeClr val="tx1"/>
+        </a:solidFill>
+        <a:latin typeface="+mn-lt"/>
+        <a:ea typeface="+mn-ea"/>
+        <a:cs typeface="+mn-cs"/>
+      </a:defRPr>
+    </a:lvl1pPr>
+    <a:lvl2pPr marL="457200" algn="l" defTabSz="914400" rtl="0" eaLnBrk="1" latinLnBrk="0" hangingPunct="1">
+      <a:defRPr sz="1200" kern="1200">
+        <a:solidFill>
+          <a:schemeClr val="tx1"/>
+        </a:solidFill>
+        <a:latin typeface="+mn-lt"/>
+        <a:ea typeface="+mn-ea"/>
+        <a:cs typeface="+mn-cs"/>
+      </a:defRPr>
+    </a:lvl2pPr>
+    <a:lvl3pPr marL="914400" algn="l" defTabSz="914400" rtl="0" eaLnBrk="1" latinLnBrk="0" hangingPunct="1">
+      <a:defRPr sz="1200" kern="1200">
+        <a:solidFill>
+          <a:schemeClr val="tx1"/>
+        </a:solidFill>
+        <a:latin typeface="+mn-lt"/>
+        <a:ea typeface="+mn-ea"/>
+        <a:cs typeface="+mn-cs"/>
+      </a:defRPr>
+    </a:lvl3pPr>
+    <a:lvl4pPr marL="1371600" algn="l" defTabSz="914400" rtl="0" eaLnBrk="1" latinLnBrk="0" hangingPunct="1">
+      <a:defRPr sz="1200" kern="1200">
+        <a:solidFill>
+          <a:schemeClr val="tx1"/>
+        </a:solidFill>
+        <a:latin typeface="+mn-lt"/>
+        <a:ea typeface="+mn-ea"/>
+        <a:cs typeface="+mn-cs"/>
+      </a:defRPr>
+    </a:lvl4pPr>
+    <a:lvl5pPr marL="1828800" algn="l" defTabSz="914400" rtl="0" eaLnBrk="1" latinLnBrk="0" hangingPunct="1">
+      <a:defRPr sz="1200" kern="1200">
+        <a:solidFill>
+          <a:schemeClr val="tx1"/>
+        </a:solidFill>
+        <a:latin typeface="+mn-lt"/>
+        <a:ea typeface="+mn-ea"/>
+        <a:cs typeface="+mn-cs"/>
+      </a:defRPr>
+    </a:lvl5pPr>
+    <a:lvl6pPr marL="2286000" algn="l" defTabSz="914400" rtl="0" eaLnBrk="1" latinLnBrk="0" hangingPunct="1">
+      <a:defRPr sz="1200" kern="1200">
+        <a:solidFill>
+          <a:schemeClr val="tx1"/>
+        </a:solidFill>
+        <a:latin typeface="+mn-lt"/>
+        <a:ea typeface="+mn-ea"/>
+        <a:cs typeface="+mn-cs"/>
+      </a:defRPr>
+    </a:lvl6pPr>
+    <a:lvl7pPr marL="2743200" algn="l" defTabSz="914400" rtl="0" eaLnBrk="1" latinLnBrk="0" hangingPunct="1">
+      <a:defRPr sz="1200" kern="1200">
+        <a:solidFill>
+          <a:schemeClr val="tx1"/>
+        </a:solidFill>
+        <a:latin typeface="+mn-lt"/>
+        <a:ea typeface="+mn-ea"/>
+        <a:cs typeface="+mn-cs"/>
+      </a:defRPr>
+    </a:lvl7pPr>
+    <a:lvl8pPr marL="3200400" algn="l" defTabSz="914400" rtl="0" eaLnBrk="1" latinLnBrk="0" hangingPunct="1">
+      <a:defRPr sz="1200" kern="1200">
+        <a:solidFill>
+          <a:schemeClr val="tx1"/>
+        </a:solidFill>
+        <a:latin typeface="+mn-lt"/>
+        <a:ea typeface="+mn-ea"/>
+        <a:cs typeface="+mn-cs"/>
+      </a:defRPr>
+    </a:lvl8pPr>
+    <a:lvl9pPr marL="3657600" algn="l" defTabSz="914400" rtl="0" eaLnBrk="1" latinLnBrk="0" hangingPunct="1">
+      <a:defRPr sz="1200" kern="1200">
+        <a:solidFill>
+          <a:schemeClr val="tx1"/>
+        </a:solidFill>
+        <a:latin typeface="+mn-lt"/>
+        <a:ea typeface="+mn-ea"/>
+        <a:cs typeface="+mn-cs"/>
+      </a:defRPr>
+    </a:lvl9pPr>
+  </p:notesStyle>
+</p:notesMaster>
+</file>
+
+<file path=ppt/notesSlides/notesSlide1.xml><?xml version="1.0" encoding="utf-8"?>
+<p:notes xmlns:a="http://schemas.openxmlformats.org/drawingml/2006/main" xmlns:r="http://schemas.openxmlformats.org/officeDocument/2006/relationships" xmlns:p="http://schemas.openxmlformats.org/presentationml/2006/main">
+  <p:cSld>
+    <p:spTree>
+      <p:nvGrpSpPr>
+        <p:cNvPr id="1" name=""/>
+        <p:cNvGrpSpPr/>
+        <p:nvPr/>
+      </p:nvGrpSpPr>
+      <p:grpSpPr>
+        <a:xfrm>
+          <a:off x="0" y="0"/>
+          <a:ext cx="0" cy="0"/>
+          <a:chOff x="0" y="0"/>
+          <a:chExt cx="0" cy="0"/>
+        </a:xfrm>
+      </p:grpSpPr>
+      <p:sp>
+        <p:nvSpPr>
+          <p:cNvPr id="2" name="Marcador de imagen de diapositiva 1"/>
+          <p:cNvSpPr>
+            <a:spLocks noGrp="1" noRot="1" noChangeAspect="1"/>
+          </p:cNvSpPr>
+          <p:nvPr>
+            <p:ph type="sldImg"/>
+          </p:nvPr>
+        </p:nvSpPr>
+        <p:spPr/>
+      </p:sp>
+      <p:sp>
+        <p:nvSpPr>
+          <p:cNvPr id="3" name="Marcador de notas 2"/>
+          <p:cNvSpPr>
+            <a:spLocks noGrp="1"/>
+          </p:cNvSpPr>
+          <p:nvPr>
+            <p:ph type="body" idx="1"/>
+          </p:nvPr>
+        </p:nvSpPr>
+        <p:spPr/>
+        <p:txBody>
+          <a:bodyPr/>
+          <a:lstStyle/>
+          <a:p>
+            <a:endParaRPr lang="es-ES" dirty="0"/>
+          </a:p>
+        </p:txBody>
+      </p:sp>
+      <p:sp>
+        <p:nvSpPr>
+          <p:cNvPr id="4" name="Marcador de número de diapositiva 3"/>
+          <p:cNvSpPr>
+            <a:spLocks noGrp="1"/>
+          </p:cNvSpPr>
+          <p:nvPr>
+            <p:ph type="sldNum" sz="quarter" idx="10"/>
+          </p:nvPr>
+        </p:nvSpPr>
+        <p:spPr/>
+        <p:txBody>
+          <a:bodyPr/>
+          <a:lstStyle/>
+          <a:p>
+            <a:fld id="{F38D60B6-46CA-4AA9-A29B-049F7B4C173D}" type="slidenum">
+              <a:rPr lang="es-ES" smtClean="0"/>
+              <a:t>1</a:t>
+            </a:fld>
+            <a:endParaRPr lang="es-ES"/>
+          </a:p>
+        </p:txBody>
+      </p:sp>
+    </p:spTree>
+    <p:extLst>
+      <p:ext uri="{BB962C8B-B14F-4D97-AF65-F5344CB8AC3E}">
+        <p14:creationId xmlns:p14="http://schemas.microsoft.com/office/powerpoint/2010/main" val="1530724315"/>
+      </p:ext>
+    </p:extLst>
+  </p:cSld>
+  <p:clrMapOvr>
+    <a:masterClrMapping/>
+  </p:clrMapOvr>
+</p:notes>
+</file>
+
+<file path=ppt/notesSlides/notesSlide2.xml><?xml version="1.0" encoding="utf-8"?>
+<p:notes xmlns:a="http://schemas.openxmlformats.org/drawingml/2006/main" xmlns:r="http://schemas.openxmlformats.org/officeDocument/2006/relationships" xmlns:p="http://schemas.openxmlformats.org/presentationml/2006/main">
+  <p:cSld>
+    <p:spTree>
+      <p:nvGrpSpPr>
+        <p:cNvPr id="1" name=""/>
+        <p:cNvGrpSpPr/>
+        <p:nvPr/>
+      </p:nvGrpSpPr>
+      <p:grpSpPr>
+        <a:xfrm>
+          <a:off x="0" y="0"/>
+          <a:ext cx="0" cy="0"/>
+          <a:chOff x="0" y="0"/>
+          <a:chExt cx="0" cy="0"/>
+        </a:xfrm>
+      </p:grpSpPr>
+      <p:sp>
+        <p:nvSpPr>
+          <p:cNvPr id="2" name="Marcador de imagen de diapositiva 1"/>
+          <p:cNvSpPr>
+            <a:spLocks noGrp="1" noRot="1" noChangeAspect="1"/>
+          </p:cNvSpPr>
+          <p:nvPr>
+            <p:ph type="sldImg"/>
+          </p:nvPr>
+        </p:nvSpPr>
+        <p:spPr/>
+      </p:sp>
+      <p:sp>
+        <p:nvSpPr>
+          <p:cNvPr id="3" name="Marcador de notas 2"/>
+          <p:cNvSpPr>
+            <a:spLocks noGrp="1"/>
+          </p:cNvSpPr>
+          <p:nvPr>
+            <p:ph type="body" idx="1"/>
+          </p:nvPr>
+        </p:nvSpPr>
+        <p:spPr/>
+        <p:txBody>
+          <a:bodyPr/>
+          <a:lstStyle/>
+          <a:p>
+            <a:endParaRPr lang="es-ES" dirty="0"/>
+          </a:p>
+        </p:txBody>
+      </p:sp>
+      <p:sp>
+        <p:nvSpPr>
+          <p:cNvPr id="4" name="Marcador de número de diapositiva 3"/>
+          <p:cNvSpPr>
+            <a:spLocks noGrp="1"/>
+          </p:cNvSpPr>
+          <p:nvPr>
+            <p:ph type="sldNum" sz="quarter" idx="10"/>
+          </p:nvPr>
+        </p:nvSpPr>
+        <p:spPr/>
+        <p:txBody>
+          <a:bodyPr/>
+          <a:lstStyle/>
+          <a:p>
+            <a:fld id="{F38D60B6-46CA-4AA9-A29B-049F7B4C173D}" type="slidenum">
+              <a:rPr lang="es-ES" smtClean="0"/>
+              <a:t>2</a:t>
+            </a:fld>
+            <a:endParaRPr lang="es-ES"/>
+          </a:p>
+        </p:txBody>
+      </p:sp>
+    </p:spTree>
+    <p:extLst>
+      <p:ext uri="{BB962C8B-B14F-4D97-AF65-F5344CB8AC3E}">
+        <p14:creationId xmlns:p14="http://schemas.microsoft.com/office/powerpoint/2010/main" val="1586630392"/>
+      </p:ext>
+    </p:extLst>
+  </p:cSld>
+  <p:clrMapOvr>
+    <a:masterClrMapping/>
+  </p:clrMapOvr>
+</p:notes>
 </file>
 
 <file path=ppt/slideLayouts/slideLayout1.xml><?xml version="1.0" encoding="utf-8"?>
@@ -247,7 +774,7 @@
           <a:p>
             <a:fld id="{E2D74C76-9123-4B10-AE51-4FB5D15846A8}" type="datetimeFigureOut">
               <a:rPr lang="es-ES" smtClean="0"/>
-              <a:t>14/04/2024</a:t>
+              <a:t>18/04/2024</a:t>
             </a:fld>
             <a:endParaRPr lang="es-ES"/>
           </a:p>
@@ -417,7 +944,7 @@
           <a:p>
             <a:fld id="{E2D74C76-9123-4B10-AE51-4FB5D15846A8}" type="datetimeFigureOut">
               <a:rPr lang="es-ES" smtClean="0"/>
-              <a:t>14/04/2024</a:t>
+              <a:t>18/04/2024</a:t>
             </a:fld>
             <a:endParaRPr lang="es-ES"/>
           </a:p>
@@ -597,7 +1124,7 @@
           <a:p>
             <a:fld id="{E2D74C76-9123-4B10-AE51-4FB5D15846A8}" type="datetimeFigureOut">
               <a:rPr lang="es-ES" smtClean="0"/>
-              <a:t>14/04/2024</a:t>
+              <a:t>18/04/2024</a:t>
             </a:fld>
             <a:endParaRPr lang="es-ES"/>
           </a:p>
@@ -767,7 +1294,7 @@
           <a:p>
             <a:fld id="{E2D74C76-9123-4B10-AE51-4FB5D15846A8}" type="datetimeFigureOut">
               <a:rPr lang="es-ES" smtClean="0"/>
-              <a:t>14/04/2024</a:t>
+              <a:t>18/04/2024</a:t>
             </a:fld>
             <a:endParaRPr lang="es-ES"/>
           </a:p>
@@ -1013,7 +1540,7 @@
           <a:p>
             <a:fld id="{E2D74C76-9123-4B10-AE51-4FB5D15846A8}" type="datetimeFigureOut">
               <a:rPr lang="es-ES" smtClean="0"/>
-              <a:t>14/04/2024</a:t>
+              <a:t>18/04/2024</a:t>
             </a:fld>
             <a:endParaRPr lang="es-ES"/>
           </a:p>
@@ -1245,7 +1772,7 @@
           <a:p>
             <a:fld id="{E2D74C76-9123-4B10-AE51-4FB5D15846A8}" type="datetimeFigureOut">
               <a:rPr lang="es-ES" smtClean="0"/>
-              <a:t>14/04/2024</a:t>
+              <a:t>18/04/2024</a:t>
             </a:fld>
             <a:endParaRPr lang="es-ES"/>
           </a:p>
@@ -1612,7 +2139,7 @@
           <a:p>
             <a:fld id="{E2D74C76-9123-4B10-AE51-4FB5D15846A8}" type="datetimeFigureOut">
               <a:rPr lang="es-ES" smtClean="0"/>
-              <a:t>14/04/2024</a:t>
+              <a:t>18/04/2024</a:t>
             </a:fld>
             <a:endParaRPr lang="es-ES"/>
           </a:p>
@@ -1730,7 +2257,7 @@
           <a:p>
             <a:fld id="{E2D74C76-9123-4B10-AE51-4FB5D15846A8}" type="datetimeFigureOut">
               <a:rPr lang="es-ES" smtClean="0"/>
-              <a:t>14/04/2024</a:t>
+              <a:t>18/04/2024</a:t>
             </a:fld>
             <a:endParaRPr lang="es-ES"/>
           </a:p>
@@ -1825,7 +2352,7 @@
           <a:p>
             <a:fld id="{E2D74C76-9123-4B10-AE51-4FB5D15846A8}" type="datetimeFigureOut">
               <a:rPr lang="es-ES" smtClean="0"/>
-              <a:t>14/04/2024</a:t>
+              <a:t>18/04/2024</a:t>
             </a:fld>
             <a:endParaRPr lang="es-ES"/>
           </a:p>
@@ -2102,7 +2629,7 @@
           <a:p>
             <a:fld id="{E2D74C76-9123-4B10-AE51-4FB5D15846A8}" type="datetimeFigureOut">
               <a:rPr lang="es-ES" smtClean="0"/>
-              <a:t>14/04/2024</a:t>
+              <a:t>18/04/2024</a:t>
             </a:fld>
             <a:endParaRPr lang="es-ES"/>
           </a:p>
@@ -2355,7 +2882,7 @@
           <a:p>
             <a:fld id="{E2D74C76-9123-4B10-AE51-4FB5D15846A8}" type="datetimeFigureOut">
               <a:rPr lang="es-ES" smtClean="0"/>
-              <a:t>14/04/2024</a:t>
+              <a:t>18/04/2024</a:t>
             </a:fld>
             <a:endParaRPr lang="es-ES"/>
           </a:p>
@@ -2568,7 +3095,7 @@
           <a:p>
             <a:fld id="{E2D74C76-9123-4B10-AE51-4FB5D15846A8}" type="datetimeFigureOut">
               <a:rPr lang="es-ES" smtClean="0"/>
-              <a:t>14/04/2024</a:t>
+              <a:t>18/04/2024</a:t>
             </a:fld>
             <a:endParaRPr lang="es-ES"/>
           </a:p>
@@ -2959,6 +3486,14 @@
 <file path=ppt/slides/slide1.xml><?xml version="1.0" encoding="utf-8"?>
 <p:sld xmlns:a="http://schemas.openxmlformats.org/drawingml/2006/main" xmlns:r="http://schemas.openxmlformats.org/officeDocument/2006/relationships" xmlns:p="http://schemas.openxmlformats.org/presentationml/2006/main">
   <p:cSld>
+    <p:bg>
+      <p:bgPr>
+        <a:solidFill>
+          <a:schemeClr val="bg1"/>
+        </a:solidFill>
+        <a:effectLst/>
+      </p:bgPr>
+    </p:bg>
     <p:spTree>
       <p:nvGrpSpPr>
         <p:cNvPr id="1" name=""/>
@@ -2975,14 +3510,214 @@
       </p:grpSpPr>
       <p:sp>
         <p:nvSpPr>
-          <p:cNvPr id="2" name="Rectángulo 1"/>
+          <p:cNvPr id="4" name="Entrada manual 3"/>
           <p:cNvSpPr/>
           <p:nvPr/>
         </p:nvSpPr>
         <p:spPr>
+          <a:xfrm flipV="1">
+            <a:off x="7065" y="-12699"/>
+            <a:ext cx="12192000" cy="1013672"/>
+          </a:xfrm>
+          <a:prstGeom prst="flowChartManualInput">
+            <a:avLst/>
+          </a:prstGeom>
+          <a:solidFill>
+            <a:schemeClr val="accent4"/>
+          </a:solidFill>
+          <a:ln>
+            <a:noFill/>
+          </a:ln>
+        </p:spPr>
+        <p:style>
+          <a:lnRef idx="2">
+            <a:schemeClr val="accent6">
+              <a:shade val="50000"/>
+            </a:schemeClr>
+          </a:lnRef>
+          <a:fillRef idx="1">
+            <a:schemeClr val="accent6"/>
+          </a:fillRef>
+          <a:effectRef idx="0">
+            <a:schemeClr val="accent6"/>
+          </a:effectRef>
+          <a:fontRef idx="minor">
+            <a:schemeClr val="lt1"/>
+          </a:fontRef>
+        </p:style>
+        <p:txBody>
+          <a:bodyPr rtlCol="0" anchor="ctr"/>
+          <a:lstStyle/>
+          <a:p>
+            <a:pPr algn="ctr"/>
+            <a:endParaRPr lang="es-ES"/>
+          </a:p>
+        </p:txBody>
+      </p:sp>
+      <p:pic>
+        <p:nvPicPr>
+          <p:cNvPr id="38" name="Imagen 37"/>
+          <p:cNvPicPr>
+            <a:picLocks noChangeAspect="1"/>
+          </p:cNvPicPr>
+          <p:nvPr/>
+        </p:nvPicPr>
+        <p:blipFill rotWithShape="1">
+          <a:blip r:embed="rId3" cstate="print">
+            <a:extLst>
+              <a:ext uri="{28A0092B-C50C-407E-A947-70E740481C1C}">
+                <a14:useLocalDpi xmlns:a14="http://schemas.microsoft.com/office/drawing/2010/main" val="0"/>
+              </a:ext>
+            </a:extLst>
+          </a:blip>
+          <a:srcRect l="24365" t="14675" r="-519" b="3189"/>
+          <a:stretch/>
+        </p:blipFill>
+        <p:spPr>
+          <a:xfrm flipH="1">
+            <a:off x="438150" y="2126433"/>
+            <a:ext cx="5385645" cy="3898983"/>
+          </a:xfrm>
+          <a:prstGeom prst="rect">
+            <a:avLst/>
+          </a:prstGeom>
+          <a:ln>
+            <a:noFill/>
+          </a:ln>
+          <a:effectLst>
+            <a:softEdge rad="112500"/>
+          </a:effectLst>
+        </p:spPr>
+      </p:pic>
+      <p:sp>
+        <p:nvSpPr>
+          <p:cNvPr id="10" name="Entrada manual 9"/>
+          <p:cNvSpPr/>
+          <p:nvPr/>
+        </p:nvSpPr>
+        <p:spPr>
+          <a:xfrm flipV="1">
+            <a:off x="0" y="6266204"/>
+            <a:ext cx="12192000" cy="591796"/>
+          </a:xfrm>
+          <a:custGeom>
+            <a:avLst/>
+            <a:gdLst>
+              <a:gd name="connsiteX0" fmla="*/ 0 w 10000"/>
+              <a:gd name="connsiteY0" fmla="*/ 2000 h 10000"/>
+              <a:gd name="connsiteX1" fmla="*/ 10000 w 10000"/>
+              <a:gd name="connsiteY1" fmla="*/ 0 h 10000"/>
+              <a:gd name="connsiteX2" fmla="*/ 10000 w 10000"/>
+              <a:gd name="connsiteY2" fmla="*/ 10000 h 10000"/>
+              <a:gd name="connsiteX3" fmla="*/ 0 w 10000"/>
+              <a:gd name="connsiteY3" fmla="*/ 10000 h 10000"/>
+              <a:gd name="connsiteX4" fmla="*/ 0 w 10000"/>
+              <a:gd name="connsiteY4" fmla="*/ 2000 h 10000"/>
+              <a:gd name="connsiteX0" fmla="*/ 0 w 10000"/>
+              <a:gd name="connsiteY0" fmla="*/ 0 h 8000"/>
+              <a:gd name="connsiteX1" fmla="*/ 9976 w 10000"/>
+              <a:gd name="connsiteY1" fmla="*/ 396 h 8000"/>
+              <a:gd name="connsiteX2" fmla="*/ 10000 w 10000"/>
+              <a:gd name="connsiteY2" fmla="*/ 8000 h 8000"/>
+              <a:gd name="connsiteX3" fmla="*/ 0 w 10000"/>
+              <a:gd name="connsiteY3" fmla="*/ 8000 h 8000"/>
+              <a:gd name="connsiteX4" fmla="*/ 0 w 10000"/>
+              <a:gd name="connsiteY4" fmla="*/ 0 h 8000"/>
+              <a:gd name="connsiteX0" fmla="*/ 0 w 10000"/>
+              <a:gd name="connsiteY0" fmla="*/ 0 h 10000"/>
+              <a:gd name="connsiteX1" fmla="*/ 9992 w 10000"/>
+              <a:gd name="connsiteY1" fmla="*/ 39 h 10000"/>
+              <a:gd name="connsiteX2" fmla="*/ 10000 w 10000"/>
+              <a:gd name="connsiteY2" fmla="*/ 10000 h 10000"/>
+              <a:gd name="connsiteX3" fmla="*/ 0 w 10000"/>
+              <a:gd name="connsiteY3" fmla="*/ 10000 h 10000"/>
+              <a:gd name="connsiteX4" fmla="*/ 0 w 10000"/>
+              <a:gd name="connsiteY4" fmla="*/ 0 h 10000"/>
+            </a:gdLst>
+            <a:ahLst/>
+            <a:cxnLst>
+              <a:cxn ang="0">
+                <a:pos x="connsiteX0" y="connsiteY0"/>
+              </a:cxn>
+              <a:cxn ang="0">
+                <a:pos x="connsiteX1" y="connsiteY1"/>
+              </a:cxn>
+              <a:cxn ang="0">
+                <a:pos x="connsiteX2" y="connsiteY2"/>
+              </a:cxn>
+              <a:cxn ang="0">
+                <a:pos x="connsiteX3" y="connsiteY3"/>
+              </a:cxn>
+              <a:cxn ang="0">
+                <a:pos x="connsiteX4" y="connsiteY4"/>
+              </a:cxn>
+            </a:cxnLst>
+            <a:rect l="l" t="t" r="r" b="b"/>
+            <a:pathLst>
+              <a:path w="10000" h="10000">
+                <a:moveTo>
+                  <a:pt x="0" y="0"/>
+                </a:moveTo>
+                <a:lnTo>
+                  <a:pt x="9992" y="39"/>
+                </a:lnTo>
+                <a:cubicBezTo>
+                  <a:pt x="10000" y="3208"/>
+                  <a:pt x="9992" y="6831"/>
+                  <a:pt x="10000" y="10000"/>
+                </a:cubicBezTo>
+                <a:lnTo>
+                  <a:pt x="0" y="10000"/>
+                </a:lnTo>
+                <a:lnTo>
+                  <a:pt x="0" y="0"/>
+                </a:lnTo>
+                <a:close/>
+              </a:path>
+            </a:pathLst>
+          </a:custGeom>
+          <a:solidFill>
+            <a:schemeClr val="accent4"/>
+          </a:solidFill>
+          <a:ln>
+            <a:noFill/>
+          </a:ln>
+        </p:spPr>
+        <p:style>
+          <a:lnRef idx="2">
+            <a:schemeClr val="accent6">
+              <a:shade val="50000"/>
+            </a:schemeClr>
+          </a:lnRef>
+          <a:fillRef idx="1">
+            <a:schemeClr val="accent6"/>
+          </a:fillRef>
+          <a:effectRef idx="0">
+            <a:schemeClr val="accent6"/>
+          </a:effectRef>
+          <a:fontRef idx="minor">
+            <a:schemeClr val="lt1"/>
+          </a:fontRef>
+        </p:style>
+        <p:txBody>
+          <a:bodyPr rtlCol="0" anchor="ctr"/>
+          <a:lstStyle/>
+          <a:p>
+            <a:pPr algn="ctr"/>
+            <a:endParaRPr lang="es-ES"/>
+          </a:p>
+        </p:txBody>
+      </p:sp>
+      <p:sp>
+        <p:nvSpPr>
+          <p:cNvPr id="8" name="CuadroTexto 7"/>
+          <p:cNvSpPr txBox="1"/>
+          <p:nvPr/>
+        </p:nvSpPr>
+        <p:spPr>
           <a:xfrm>
-            <a:off x="4926033" y="2967335"/>
-            <a:ext cx="2339936" cy="923330"/>
+            <a:off x="-157492" y="1133274"/>
+            <a:ext cx="5981287" cy="954107"/>
           </a:xfrm>
           <a:prstGeom prst="rect">
             <a:avLst/>
@@ -2990,50 +3725,786 @@
           <a:noFill/>
         </p:spPr>
         <p:txBody>
-          <a:bodyPr wrap="none" lIns="91440" tIns="45720" rIns="91440" bIns="45720">
+          <a:bodyPr wrap="square" rtlCol="0">
             <a:spAutoFit/>
           </a:bodyPr>
           <a:lstStyle/>
           <a:p>
+            <a:pPr algn="r"/>
+            <a:r>
+              <a:rPr lang="es-ES" sz="2800" dirty="0" smtClean="0">
+                <a:latin typeface="Gadugi" panose="020B0502040204020203" pitchFamily="34" charset="0"/>
+                <a:ea typeface="Gadugi" panose="020B0502040204020203" pitchFamily="34" charset="0"/>
+              </a:rPr>
+              <a:t>Tu plataforma de adiestramiento y educación canina</a:t>
+            </a:r>
+          </a:p>
+        </p:txBody>
+      </p:sp>
+      <p:pic>
+        <p:nvPicPr>
+          <p:cNvPr id="25" name="Imagen 24"/>
+          <p:cNvPicPr>
+            <a:picLocks noChangeAspect="1"/>
+          </p:cNvPicPr>
+          <p:nvPr/>
+        </p:nvPicPr>
+        <p:blipFill>
+          <a:blip r:embed="rId4"/>
+          <a:stretch>
+            <a:fillRect/>
+          </a:stretch>
+        </p:blipFill>
+        <p:spPr>
+          <a:xfrm>
+            <a:off x="6903209" y="6213526"/>
+            <a:ext cx="1892695" cy="697152"/>
+          </a:xfrm>
+          <a:prstGeom prst="rect">
+            <a:avLst/>
+          </a:prstGeom>
+          <a:effectLst>
+            <a:outerShdw blurRad="50800" dist="50800" dir="5400000" algn="ctr" rotWithShape="0">
+              <a:srgbClr val="000000">
+                <a:alpha val="27000"/>
+              </a:srgbClr>
+            </a:outerShdw>
+          </a:effectLst>
+        </p:spPr>
+      </p:pic>
+      <p:sp>
+        <p:nvSpPr>
+          <p:cNvPr id="11" name="CuadroTexto 10"/>
+          <p:cNvSpPr txBox="1"/>
+          <p:nvPr/>
+        </p:nvSpPr>
+        <p:spPr>
+          <a:xfrm>
+            <a:off x="6770694" y="6437553"/>
+            <a:ext cx="2116750" cy="276999"/>
+          </a:xfrm>
+          <a:prstGeom prst="rect">
+            <a:avLst/>
+          </a:prstGeom>
+          <a:noFill/>
+        </p:spPr>
+        <p:txBody>
+          <a:bodyPr wrap="square" rtlCol="0">
+            <a:spAutoFit/>
+          </a:bodyPr>
+          <a:lstStyle/>
+          <a:p>
+            <a:r>
+              <a:rPr lang="es-ES" sz="1200" dirty="0" smtClean="0">
+                <a:latin typeface="Gadugi" panose="020B0502040204020203" pitchFamily="34" charset="0"/>
+                <a:ea typeface="Gadugi" panose="020B0502040204020203" pitchFamily="34" charset="0"/>
+              </a:rPr>
+              <a:t>       Política de privacidad</a:t>
+            </a:r>
+          </a:p>
+        </p:txBody>
+      </p:sp>
+      <p:grpSp>
+        <p:nvGrpSpPr>
+          <p:cNvPr id="21" name="Grupo 20"/>
+          <p:cNvGrpSpPr/>
+          <p:nvPr/>
+        </p:nvGrpSpPr>
+        <p:grpSpPr>
+          <a:xfrm>
+            <a:off x="5310146" y="6213527"/>
+            <a:ext cx="1673232" cy="683525"/>
+            <a:chOff x="4165408" y="6174476"/>
+            <a:chExt cx="1761833" cy="775252"/>
+          </a:xfrm>
+          <a:effectLst>
+            <a:outerShdw blurRad="50800" dist="50800" dir="5400000" algn="ctr" rotWithShape="0">
+              <a:srgbClr val="000000">
+                <a:alpha val="27000"/>
+              </a:srgbClr>
+            </a:outerShdw>
+          </a:effectLst>
+        </p:grpSpPr>
+        <p:pic>
+          <p:nvPicPr>
+            <p:cNvPr id="19" name="Imagen 18"/>
+            <p:cNvPicPr>
+              <a:picLocks noChangeAspect="1"/>
+            </p:cNvPicPr>
+            <p:nvPr/>
+          </p:nvPicPr>
+          <p:blipFill>
+            <a:blip r:embed="rId4"/>
+            <a:stretch>
+              <a:fillRect/>
+            </a:stretch>
+          </p:blipFill>
+          <p:spPr>
+            <a:xfrm>
+              <a:off x="4165408" y="6174476"/>
+              <a:ext cx="1761833" cy="775252"/>
+            </a:xfrm>
+            <a:prstGeom prst="rect">
+              <a:avLst/>
+            </a:prstGeom>
+          </p:spPr>
+        </p:pic>
+        <p:sp>
+          <p:nvSpPr>
+            <p:cNvPr id="12" name="CuadroTexto 11"/>
+            <p:cNvSpPr txBox="1"/>
+            <p:nvPr/>
+          </p:nvSpPr>
+          <p:spPr>
+            <a:xfrm>
+              <a:off x="4446457" y="6438089"/>
+              <a:ext cx="1303656" cy="276999"/>
+            </a:xfrm>
+            <a:prstGeom prst="rect">
+              <a:avLst/>
+            </a:prstGeom>
+            <a:noFill/>
+          </p:spPr>
+          <p:txBody>
+            <a:bodyPr wrap="square" rtlCol="0">
+              <a:spAutoFit/>
+            </a:bodyPr>
+            <a:lstStyle/>
+            <a:p>
+              <a:r>
+                <a:rPr lang="es-ES" sz="1200" dirty="0" smtClean="0">
+                  <a:latin typeface="Gadugi" panose="020B0502040204020203" pitchFamily="34" charset="0"/>
+                  <a:ea typeface="Gadugi" panose="020B0502040204020203" pitchFamily="34" charset="0"/>
+                </a:rPr>
+                <a:t>   Aviso legal</a:t>
+              </a:r>
+            </a:p>
+          </p:txBody>
+        </p:sp>
+      </p:grpSp>
+      <p:grpSp>
+        <p:nvGrpSpPr>
+          <p:cNvPr id="27" name="Grupo 26"/>
+          <p:cNvGrpSpPr/>
+          <p:nvPr/>
+        </p:nvGrpSpPr>
+        <p:grpSpPr>
+          <a:xfrm>
+            <a:off x="8674760" y="6213526"/>
+            <a:ext cx="1761833" cy="697151"/>
+            <a:chOff x="4165408" y="6174476"/>
+            <a:chExt cx="1761833" cy="775252"/>
+          </a:xfrm>
+          <a:effectLst>
+            <a:outerShdw blurRad="50800" dist="50800" dir="5400000" algn="ctr" rotWithShape="0">
+              <a:srgbClr val="000000">
+                <a:alpha val="27000"/>
+              </a:srgbClr>
+            </a:outerShdw>
+          </a:effectLst>
+        </p:grpSpPr>
+        <p:pic>
+          <p:nvPicPr>
+            <p:cNvPr id="28" name="Imagen 27"/>
+            <p:cNvPicPr>
+              <a:picLocks noChangeAspect="1"/>
+            </p:cNvPicPr>
+            <p:nvPr/>
+          </p:nvPicPr>
+          <p:blipFill>
+            <a:blip r:embed="rId4"/>
+            <a:stretch>
+              <a:fillRect/>
+            </a:stretch>
+          </p:blipFill>
+          <p:spPr>
+            <a:xfrm>
+              <a:off x="4165408" y="6174476"/>
+              <a:ext cx="1761833" cy="775252"/>
+            </a:xfrm>
+            <a:prstGeom prst="rect">
+              <a:avLst/>
+            </a:prstGeom>
+          </p:spPr>
+        </p:pic>
+        <p:sp>
+          <p:nvSpPr>
+            <p:cNvPr id="29" name="CuadroTexto 28"/>
+            <p:cNvSpPr txBox="1"/>
+            <p:nvPr/>
+          </p:nvSpPr>
+          <p:spPr>
+            <a:xfrm>
+              <a:off x="4351227" y="6423602"/>
+              <a:ext cx="1457880" cy="276999"/>
+            </a:xfrm>
+            <a:prstGeom prst="rect">
+              <a:avLst/>
+            </a:prstGeom>
+            <a:noFill/>
+          </p:spPr>
+          <p:txBody>
+            <a:bodyPr wrap="square" rtlCol="0">
+              <a:spAutoFit/>
+            </a:bodyPr>
+            <a:lstStyle/>
+            <a:p>
+              <a:r>
+                <a:rPr lang="es-ES" sz="1200" dirty="0" smtClean="0">
+                  <a:latin typeface="Gadugi" panose="020B0502040204020203" pitchFamily="34" charset="0"/>
+                  <a:ea typeface="Gadugi" panose="020B0502040204020203" pitchFamily="34" charset="0"/>
+                </a:rPr>
+                <a:t>Política de cookies</a:t>
+              </a:r>
+            </a:p>
+          </p:txBody>
+        </p:sp>
+      </p:grpSp>
+      <p:grpSp>
+        <p:nvGrpSpPr>
+          <p:cNvPr id="30" name="Grupo 29"/>
+          <p:cNvGrpSpPr/>
+          <p:nvPr/>
+        </p:nvGrpSpPr>
+        <p:grpSpPr>
+          <a:xfrm>
+            <a:off x="10318459" y="6213527"/>
+            <a:ext cx="1809516" cy="683525"/>
+            <a:chOff x="4165408" y="6174476"/>
+            <a:chExt cx="1761833" cy="775252"/>
+          </a:xfrm>
+          <a:effectLst>
+            <a:outerShdw blurRad="50800" dist="50800" dir="5400000" algn="ctr" rotWithShape="0">
+              <a:srgbClr val="000000">
+                <a:alpha val="27000"/>
+              </a:srgbClr>
+            </a:outerShdw>
+          </a:effectLst>
+        </p:grpSpPr>
+        <p:pic>
+          <p:nvPicPr>
+            <p:cNvPr id="31" name="Imagen 30"/>
+            <p:cNvPicPr>
+              <a:picLocks noChangeAspect="1"/>
+            </p:cNvPicPr>
+            <p:nvPr/>
+          </p:nvPicPr>
+          <p:blipFill>
+            <a:blip r:embed="rId4"/>
+            <a:stretch>
+              <a:fillRect/>
+            </a:stretch>
+          </p:blipFill>
+          <p:spPr>
+            <a:xfrm>
+              <a:off x="4165408" y="6174476"/>
+              <a:ext cx="1761833" cy="775252"/>
+            </a:xfrm>
+            <a:prstGeom prst="rect">
+              <a:avLst/>
+            </a:prstGeom>
+          </p:spPr>
+        </p:pic>
+        <p:sp>
+          <p:nvSpPr>
+            <p:cNvPr id="32" name="CuadroTexto 31"/>
+            <p:cNvSpPr txBox="1"/>
+            <p:nvPr/>
+          </p:nvSpPr>
+          <p:spPr>
+            <a:xfrm>
+              <a:off x="4384307" y="6438089"/>
+              <a:ext cx="1303656" cy="276999"/>
+            </a:xfrm>
+            <a:prstGeom prst="rect">
+              <a:avLst/>
+            </a:prstGeom>
+            <a:noFill/>
+          </p:spPr>
+          <p:txBody>
+            <a:bodyPr wrap="square" rtlCol="0">
+              <a:spAutoFit/>
+            </a:bodyPr>
+            <a:lstStyle/>
+            <a:p>
+              <a:r>
+                <a:rPr lang="es-ES" sz="1200" dirty="0" smtClean="0">
+                  <a:latin typeface="Gadugi" panose="020B0502040204020203" pitchFamily="34" charset="0"/>
+                  <a:ea typeface="Gadugi" panose="020B0502040204020203" pitchFamily="34" charset="0"/>
+                </a:rPr>
+                <a:t>Términos de uso</a:t>
+              </a:r>
+            </a:p>
+          </p:txBody>
+        </p:sp>
+      </p:grpSp>
+      <p:sp>
+        <p:nvSpPr>
+          <p:cNvPr id="23" name="Rectángulo 22"/>
+          <p:cNvSpPr/>
+          <p:nvPr/>
+        </p:nvSpPr>
+        <p:spPr>
+          <a:xfrm>
+            <a:off x="-276918" y="6283664"/>
+            <a:ext cx="2555451" cy="584775"/>
+          </a:xfrm>
+          <a:prstGeom prst="rect">
+            <a:avLst/>
+          </a:prstGeom>
+          <a:noFill/>
+        </p:spPr>
+        <p:txBody>
+          <a:bodyPr wrap="square" lIns="91440" tIns="45720" rIns="91440" bIns="45720">
+            <a:spAutoFit/>
+          </a:bodyPr>
+          <a:lstStyle/>
+          <a:p>
             <a:pPr algn="ctr"/>
             <a:r>
-              <a:rPr lang="es-ES" sz="5400" b="1" cap="none" spc="0" dirty="0" err="1" smtClean="0">
-                <a:ln w="6600">
+              <a:rPr lang="es-ES" sz="3200" b="1" cap="none" spc="0" dirty="0" err="1" smtClean="0">
+                <a:ln w="0"/>
+                <a:solidFill>
+                  <a:schemeClr val="tx1"/>
+                </a:solidFill>
+                <a:effectLst>
+                  <a:outerShdw blurRad="38100" dist="38100" dir="2700000" algn="tl">
+                    <a:srgbClr val="000000">
+                      <a:alpha val="43137"/>
+                    </a:srgbClr>
+                  </a:outerShdw>
+                </a:effectLst>
+                <a:latin typeface="Gadugi" panose="020B0502040204020203" pitchFamily="34" charset="0"/>
+                <a:ea typeface="Gadugi" panose="020B0502040204020203" pitchFamily="34" charset="0"/>
+                <a:cs typeface="MV Boli" panose="02000500030200090000" pitchFamily="2" charset="0"/>
+              </a:rPr>
+              <a:t>Kandog</a:t>
+            </a:r>
+            <a:endParaRPr lang="es-ES" sz="3600" b="1" cap="none" spc="0" dirty="0">
+              <a:ln w="0"/>
+              <a:solidFill>
+                <a:schemeClr val="tx1"/>
+              </a:solidFill>
+              <a:effectLst>
+                <a:outerShdw blurRad="38100" dist="38100" dir="2700000" algn="tl">
+                  <a:srgbClr val="000000">
+                    <a:alpha val="43137"/>
+                  </a:srgbClr>
+                </a:outerShdw>
+              </a:effectLst>
+              <a:latin typeface="Gadugi" panose="020B0502040204020203" pitchFamily="34" charset="0"/>
+              <a:ea typeface="Gadugi" panose="020B0502040204020203" pitchFamily="34" charset="0"/>
+              <a:cs typeface="MV Boli" panose="02000500030200090000" pitchFamily="2" charset="0"/>
+            </a:endParaRPr>
+          </a:p>
+        </p:txBody>
+      </p:sp>
+      <p:grpSp>
+        <p:nvGrpSpPr>
+          <p:cNvPr id="34" name="Grupo 33"/>
+          <p:cNvGrpSpPr/>
+          <p:nvPr/>
+        </p:nvGrpSpPr>
+        <p:grpSpPr>
+          <a:xfrm>
+            <a:off x="1841836" y="6213526"/>
+            <a:ext cx="1982632" cy="683525"/>
+            <a:chOff x="4165408" y="6174476"/>
+            <a:chExt cx="1761833" cy="775252"/>
+          </a:xfrm>
+          <a:noFill/>
+          <a:effectLst>
+            <a:outerShdw blurRad="50800" dist="50800" dir="5400000" algn="ctr" rotWithShape="0">
+              <a:srgbClr val="000000">
+                <a:alpha val="84000"/>
+              </a:srgbClr>
+            </a:outerShdw>
+          </a:effectLst>
+        </p:grpSpPr>
+        <p:pic>
+          <p:nvPicPr>
+            <p:cNvPr id="35" name="Imagen 34"/>
+            <p:cNvPicPr>
+              <a:picLocks noChangeAspect="1"/>
+            </p:cNvPicPr>
+            <p:nvPr/>
+          </p:nvPicPr>
+          <p:blipFill>
+            <a:blip r:embed="rId4"/>
+            <a:stretch>
+              <a:fillRect/>
+            </a:stretch>
+          </p:blipFill>
+          <p:spPr>
+            <a:xfrm>
+              <a:off x="4165408" y="6174476"/>
+              <a:ext cx="1761833" cy="775252"/>
+            </a:xfrm>
+            <a:prstGeom prst="rect">
+              <a:avLst/>
+            </a:prstGeom>
+            <a:grpFill/>
+            <a:ln>
+              <a:noFill/>
+            </a:ln>
+          </p:spPr>
+        </p:pic>
+        <p:sp>
+          <p:nvSpPr>
+            <p:cNvPr id="36" name="CuadroTexto 35"/>
+            <p:cNvSpPr txBox="1"/>
+            <p:nvPr/>
+          </p:nvSpPr>
+          <p:spPr>
+            <a:xfrm>
+              <a:off x="4446457" y="6438089"/>
+              <a:ext cx="1303656" cy="314171"/>
+            </a:xfrm>
+            <a:prstGeom prst="rect">
+              <a:avLst/>
+            </a:prstGeom>
+            <a:grpFill/>
+            <a:ln>
+              <a:noFill/>
+            </a:ln>
+          </p:spPr>
+          <p:txBody>
+            <a:bodyPr wrap="square" rtlCol="0">
+              <a:spAutoFit/>
+            </a:bodyPr>
+            <a:lstStyle/>
+            <a:p>
+              <a:r>
+                <a:rPr lang="es-ES" sz="1200" dirty="0" smtClean="0">
+                  <a:latin typeface="Gadugi" panose="020B0502040204020203" pitchFamily="34" charset="0"/>
+                  <a:ea typeface="Gadugi" panose="020B0502040204020203" pitchFamily="34" charset="0"/>
+                </a:rPr>
+                <a:t>  Sobre nosotros</a:t>
+              </a:r>
+            </a:p>
+          </p:txBody>
+        </p:sp>
+      </p:grpSp>
+      <p:sp>
+        <p:nvSpPr>
+          <p:cNvPr id="33" name="Rectángulo redondeado 32"/>
+          <p:cNvSpPr/>
+          <p:nvPr/>
+        </p:nvSpPr>
+        <p:spPr>
+          <a:xfrm>
+            <a:off x="6305550" y="1169586"/>
+            <a:ext cx="5324475" cy="4872587"/>
+          </a:xfrm>
+          <a:prstGeom prst="roundRect">
+            <a:avLst/>
+          </a:prstGeom>
+          <a:solidFill>
+            <a:schemeClr val="bg1"/>
+          </a:solidFill>
+          <a:ln w="28575">
+            <a:solidFill>
+              <a:schemeClr val="accent4"/>
+            </a:solidFill>
+          </a:ln>
+          <a:effectLst>
+            <a:outerShdw blurRad="254000" dist="50800" dir="5400000" algn="ctr" rotWithShape="0">
+              <a:schemeClr val="accent4"/>
+            </a:outerShdw>
+          </a:effectLst>
+        </p:spPr>
+        <p:style>
+          <a:lnRef idx="3">
+            <a:schemeClr val="lt1"/>
+          </a:lnRef>
+          <a:fillRef idx="1">
+            <a:schemeClr val="accent4"/>
+          </a:fillRef>
+          <a:effectRef idx="1">
+            <a:schemeClr val="accent4"/>
+          </a:effectRef>
+          <a:fontRef idx="minor">
+            <a:schemeClr val="lt1"/>
+          </a:fontRef>
+        </p:style>
+        <p:txBody>
+          <a:bodyPr rtlCol="0" anchor="ctr"/>
+          <a:lstStyle/>
+          <a:p>
+            <a:pPr algn="ctr">
+              <a:lnSpc>
+                <a:spcPct val="150000"/>
+              </a:lnSpc>
+            </a:pPr>
+            <a:r>
+              <a:rPr lang="es-ES" sz="3200" dirty="0" smtClean="0">
+                <a:solidFill>
+                  <a:schemeClr val="tx1"/>
+                </a:solidFill>
+              </a:rPr>
+              <a:t>¿Aún no conoces </a:t>
+            </a:r>
+            <a:r>
+              <a:rPr lang="es-ES" sz="3200" dirty="0" err="1" smtClean="0">
+                <a:solidFill>
+                  <a:schemeClr val="tx1"/>
+                </a:solidFill>
+              </a:rPr>
+              <a:t>Kandog</a:t>
+            </a:r>
+            <a:r>
+              <a:rPr lang="es-ES" sz="3200" dirty="0" smtClean="0">
+                <a:solidFill>
+                  <a:schemeClr val="tx1"/>
+                </a:solidFill>
+              </a:rPr>
+              <a:t>?</a:t>
+            </a:r>
+          </a:p>
+          <a:p>
+            <a:pPr algn="ctr"/>
+            <a:r>
+              <a:rPr lang="es-ES" dirty="0" smtClean="0">
+                <a:solidFill>
+                  <a:schemeClr val="tx1"/>
+                </a:solidFill>
+              </a:rPr>
+              <a:t>Si eres adiestrador y quieres facilitar tu día a día, aquí tenemos las herramientas para facilitarte el trabajo de campo desde la comodidad de tu casa.</a:t>
+            </a:r>
+          </a:p>
+          <a:p>
+            <a:pPr algn="ctr"/>
+            <a:endParaRPr lang="es-ES" dirty="0">
+              <a:solidFill>
+                <a:schemeClr val="tx1"/>
+              </a:solidFill>
+            </a:endParaRPr>
+          </a:p>
+          <a:p>
+            <a:pPr algn="ctr"/>
+            <a:r>
+              <a:rPr lang="es-ES" dirty="0" smtClean="0">
+                <a:solidFill>
+                  <a:schemeClr val="tx1"/>
+                </a:solidFill>
+              </a:rPr>
+              <a:t>Tu agenda, tus tareas, tus informes, tus clientes… todo recopilado en una única aplicación.</a:t>
+            </a:r>
+          </a:p>
+          <a:p>
+            <a:pPr algn="ctr"/>
+            <a:endParaRPr lang="es-ES" dirty="0">
+              <a:solidFill>
+                <a:schemeClr val="tx1"/>
+              </a:solidFill>
+            </a:endParaRPr>
+          </a:p>
+          <a:p>
+            <a:pPr algn="ctr"/>
+            <a:endParaRPr lang="es-ES" dirty="0" smtClean="0">
+              <a:solidFill>
+                <a:schemeClr val="tx1"/>
+              </a:solidFill>
+            </a:endParaRPr>
+          </a:p>
+          <a:p>
+            <a:pPr algn="ctr"/>
+            <a:endParaRPr lang="es-ES" dirty="0">
+              <a:solidFill>
+                <a:schemeClr val="tx1"/>
+              </a:solidFill>
+            </a:endParaRPr>
+          </a:p>
+        </p:txBody>
+      </p:sp>
+      <p:sp>
+        <p:nvSpPr>
+          <p:cNvPr id="37" name="Proceso alternativo 36"/>
+          <p:cNvSpPr/>
+          <p:nvPr/>
+        </p:nvSpPr>
+        <p:spPr>
+          <a:xfrm>
+            <a:off x="7669143" y="4701791"/>
+            <a:ext cx="2706103" cy="736941"/>
+          </a:xfrm>
+          <a:prstGeom prst="flowChartAlternateProcess">
+            <a:avLst/>
+          </a:prstGeom>
+        </p:spPr>
+        <p:style>
+          <a:lnRef idx="3">
+            <a:schemeClr val="lt1"/>
+          </a:lnRef>
+          <a:fillRef idx="1">
+            <a:schemeClr val="accent4"/>
+          </a:fillRef>
+          <a:effectRef idx="1">
+            <a:schemeClr val="accent4"/>
+          </a:effectRef>
+          <a:fontRef idx="minor">
+            <a:schemeClr val="lt1"/>
+          </a:fontRef>
+        </p:style>
+        <p:txBody>
+          <a:bodyPr rtlCol="0" anchor="ctr"/>
+          <a:lstStyle/>
+          <a:p>
+            <a:pPr algn="ctr"/>
+            <a:r>
+              <a:rPr lang="es-ES" sz="3200" b="1" dirty="0" smtClean="0">
+                <a:ln w="12700">
                   <a:solidFill>
-                    <a:schemeClr val="accent2"/>
+                    <a:schemeClr val="tx1"/>
                   </a:solidFill>
-                  <a:prstDash val="solid"/>
+                </a:ln>
+                <a:latin typeface="Gadugi" panose="020B0502040204020203" pitchFamily="34" charset="0"/>
+                <a:ea typeface="Gadugi" panose="020B0502040204020203" pitchFamily="34" charset="0"/>
+              </a:rPr>
+              <a:t>¡Pruébalo!</a:t>
+            </a:r>
+            <a:endParaRPr lang="es-ES" sz="3200" b="1" dirty="0">
+              <a:ln w="12700">
+                <a:solidFill>
+                  <a:schemeClr val="tx1"/>
+                </a:solidFill>
+              </a:ln>
+              <a:latin typeface="Gadugi" panose="020B0502040204020203" pitchFamily="34" charset="0"/>
+              <a:ea typeface="Gadugi" panose="020B0502040204020203" pitchFamily="34" charset="0"/>
+            </a:endParaRPr>
+          </a:p>
+        </p:txBody>
+      </p:sp>
+      <p:grpSp>
+        <p:nvGrpSpPr>
+          <p:cNvPr id="39" name="Grupo 38"/>
+          <p:cNvGrpSpPr/>
+          <p:nvPr/>
+        </p:nvGrpSpPr>
+        <p:grpSpPr>
+          <a:xfrm>
+            <a:off x="8526586" y="0"/>
+            <a:ext cx="3189164" cy="998237"/>
+            <a:chOff x="7869361" y="180527"/>
+            <a:chExt cx="3189164" cy="998237"/>
+          </a:xfrm>
+        </p:grpSpPr>
+        <p:sp>
+          <p:nvSpPr>
+            <p:cNvPr id="43" name="Proceso alternativo 42"/>
+            <p:cNvSpPr/>
+            <p:nvPr/>
+          </p:nvSpPr>
+          <p:spPr>
+            <a:xfrm>
+              <a:off x="8288863" y="402167"/>
+              <a:ext cx="2769662" cy="554958"/>
+            </a:xfrm>
+            <a:prstGeom prst="flowChartAlternateProcess">
+              <a:avLst/>
+            </a:prstGeom>
+            <a:solidFill>
+              <a:schemeClr val="bg1"/>
+            </a:solidFill>
+          </p:spPr>
+          <p:style>
+            <a:lnRef idx="3">
+              <a:schemeClr val="lt1"/>
+            </a:lnRef>
+            <a:fillRef idx="1">
+              <a:schemeClr val="accent4"/>
+            </a:fillRef>
+            <a:effectRef idx="1">
+              <a:schemeClr val="accent4"/>
+            </a:effectRef>
+            <a:fontRef idx="minor">
+              <a:schemeClr val="lt1"/>
+            </a:fontRef>
+          </p:style>
+          <p:txBody>
+            <a:bodyPr rtlCol="0" anchor="ctr"/>
+            <a:lstStyle/>
+            <a:p>
+              <a:pPr algn="ctr"/>
+              <a:r>
+                <a:rPr lang="es-ES" sz="2800" b="1" dirty="0">
+                  <a:ln w="12700">
+                    <a:solidFill>
+                      <a:schemeClr val="tx1"/>
+                    </a:solidFill>
+                  </a:ln>
+                  <a:solidFill>
+                    <a:schemeClr val="accent4"/>
+                  </a:solidFill>
+                  <a:latin typeface="Gadugi" panose="020B0502040204020203" pitchFamily="34" charset="0"/>
+                  <a:ea typeface="Gadugi" panose="020B0502040204020203" pitchFamily="34" charset="0"/>
+                </a:rPr>
+                <a:t> </a:t>
+              </a:r>
+              <a:r>
+                <a:rPr lang="es-ES" sz="2800" b="1" dirty="0" smtClean="0">
+                  <a:ln w="12700">
+                    <a:solidFill>
+                      <a:schemeClr val="tx1"/>
+                    </a:solidFill>
+                  </a:ln>
+                  <a:solidFill>
+                    <a:schemeClr val="accent4"/>
+                  </a:solidFill>
+                  <a:latin typeface="Gadugi" panose="020B0502040204020203" pitchFamily="34" charset="0"/>
+                  <a:ea typeface="Gadugi" panose="020B0502040204020203" pitchFamily="34" charset="0"/>
+                </a:rPr>
+                <a:t>  Iniciar sesión</a:t>
+              </a:r>
+              <a:endParaRPr lang="es-ES" sz="2800" b="1" dirty="0">
+                <a:ln w="12700">
+                  <a:solidFill>
+                    <a:schemeClr val="tx1"/>
+                  </a:solidFill>
                 </a:ln>
                 <a:solidFill>
-                  <a:srgbClr val="FFFFFF"/>
+                  <a:schemeClr val="accent4"/>
                 </a:solidFill>
-                <a:effectLst>
-                  <a:outerShdw dist="38100" dir="2700000" algn="tl" rotWithShape="0">
-                    <a:schemeClr val="accent2"/>
-                  </a:outerShdw>
-                </a:effectLst>
-              </a:rPr>
-              <a:t>Kandog</a:t>
-            </a:r>
-            <a:endParaRPr lang="es-ES" sz="5400" b="1" cap="none" spc="0" dirty="0">
-              <a:ln w="6600">
-                <a:solidFill>
-                  <a:schemeClr val="accent2"/>
-                </a:solidFill>
-                <a:prstDash val="solid"/>
-              </a:ln>
-              <a:solidFill>
-                <a:srgbClr val="FFFFFF"/>
-              </a:solidFill>
-              <a:effectLst>
-                <a:outerShdw dist="38100" dir="2700000" algn="tl" rotWithShape="0">
-                  <a:schemeClr val="accent2"/>
-                </a:outerShdw>
-              </a:effectLst>
-            </a:endParaRPr>
-          </a:p>
-        </p:txBody>
-      </p:sp>
+                <a:latin typeface="Gadugi" panose="020B0502040204020203" pitchFamily="34" charset="0"/>
+                <a:ea typeface="Gadugi" panose="020B0502040204020203" pitchFamily="34" charset="0"/>
+              </a:endParaRPr>
+            </a:p>
+          </p:txBody>
+        </p:sp>
+        <p:pic>
+          <p:nvPicPr>
+            <p:cNvPr id="42" name="Picture 2" descr="Paw print icon. Animal symbol, vector 8921957 Vector Art at Vecteezy"/>
+            <p:cNvPicPr>
+              <a:picLocks noChangeAspect="1" noChangeArrowheads="1"/>
+            </p:cNvPicPr>
+            <p:nvPr/>
+          </p:nvPicPr>
+          <p:blipFill rotWithShape="1">
+            <a:blip r:embed="rId5" cstate="print">
+              <a:extLst>
+                <a:ext uri="{28A0092B-C50C-407E-A947-70E740481C1C}">
+                  <a14:useLocalDpi xmlns:a14="http://schemas.microsoft.com/office/drawing/2010/main" val="0"/>
+                </a:ext>
+              </a:extLst>
+            </a:blip>
+            <a:srcRect l="47547" r="-1120"/>
+            <a:stretch/>
+          </p:blipFill>
+          <p:spPr bwMode="auto">
+            <a:xfrm>
+              <a:off x="7869361" y="180527"/>
+              <a:ext cx="991218" cy="998237"/>
+            </a:xfrm>
+            <a:prstGeom prst="rect">
+              <a:avLst/>
+            </a:prstGeom>
+            <a:noFill/>
+            <a:ln>
+              <a:noFill/>
+            </a:ln>
+          </p:spPr>
+        </p:pic>
+      </p:grpSp>
     </p:spTree>
     <p:extLst>
       <p:ext uri="{BB962C8B-B14F-4D97-AF65-F5344CB8AC3E}">
@@ -3044,10 +4515,47 @@
   <p:clrMapOvr>
     <a:masterClrMapping/>
   </p:clrMapOvr>
+  <p:timing>
+    <p:tnLst>
+      <p:par>
+        <p:cTn id="1" dur="indefinite" restart="never" nodeType="tmRoot"/>
+      </p:par>
+    </p:tnLst>
+  </p:timing>
 </p:sld>
 </file>
 
 <file path=ppt/slides/slide10.xml><?xml version="1.0" encoding="utf-8"?>
+<p:sld xmlns:a="http://schemas.openxmlformats.org/drawingml/2006/main" xmlns:r="http://schemas.openxmlformats.org/officeDocument/2006/relationships" xmlns:p="http://schemas.openxmlformats.org/presentationml/2006/main">
+  <p:cSld>
+    <p:spTree>
+      <p:nvGrpSpPr>
+        <p:cNvPr id="1" name=""/>
+        <p:cNvGrpSpPr/>
+        <p:nvPr/>
+      </p:nvGrpSpPr>
+      <p:grpSpPr>
+        <a:xfrm>
+          <a:off x="0" y="0"/>
+          <a:ext cx="0" cy="0"/>
+          <a:chOff x="0" y="0"/>
+          <a:chExt cx="0" cy="0"/>
+        </a:xfrm>
+      </p:grpSpPr>
+    </p:spTree>
+    <p:extLst>
+      <p:ext uri="{BB962C8B-B14F-4D97-AF65-F5344CB8AC3E}">
+        <p14:creationId xmlns:p14="http://schemas.microsoft.com/office/powerpoint/2010/main" val="3415053262"/>
+      </p:ext>
+    </p:extLst>
+  </p:cSld>
+  <p:clrMapOvr>
+    <a:masterClrMapping/>
+  </p:clrMapOvr>
+</p:sld>
+</file>
+
+<file path=ppt/slides/slide11.xml><?xml version="1.0" encoding="utf-8"?>
 <p:sld xmlns:a="http://schemas.openxmlformats.org/drawingml/2006/main" xmlns:r="http://schemas.openxmlformats.org/officeDocument/2006/relationships" xmlns:p="http://schemas.openxmlformats.org/presentationml/2006/main">
   <p:cSld>
     <p:spTree>
@@ -3080,6 +4588,755 @@
 <file path=ppt/slides/slide2.xml><?xml version="1.0" encoding="utf-8"?>
 <p:sld xmlns:a="http://schemas.openxmlformats.org/drawingml/2006/main" xmlns:r="http://schemas.openxmlformats.org/officeDocument/2006/relationships" xmlns:p="http://schemas.openxmlformats.org/presentationml/2006/main">
   <p:cSld>
+    <p:bg>
+      <p:bgPr>
+        <a:solidFill>
+          <a:schemeClr val="bg1"/>
+        </a:solidFill>
+        <a:effectLst/>
+      </p:bgPr>
+    </p:bg>
+    <p:spTree>
+      <p:nvGrpSpPr>
+        <p:cNvPr id="1" name=""/>
+        <p:cNvGrpSpPr/>
+        <p:nvPr/>
+      </p:nvGrpSpPr>
+      <p:grpSpPr>
+        <a:xfrm>
+          <a:off x="0" y="0"/>
+          <a:ext cx="0" cy="0"/>
+          <a:chOff x="0" y="0"/>
+          <a:chExt cx="0" cy="0"/>
+        </a:xfrm>
+      </p:grpSpPr>
+      <p:sp>
+        <p:nvSpPr>
+          <p:cNvPr id="10" name="Entrada manual 9"/>
+          <p:cNvSpPr/>
+          <p:nvPr/>
+        </p:nvSpPr>
+        <p:spPr>
+          <a:xfrm flipV="1">
+            <a:off x="0" y="6266204"/>
+            <a:ext cx="12192000" cy="591796"/>
+          </a:xfrm>
+          <a:custGeom>
+            <a:avLst/>
+            <a:gdLst>
+              <a:gd name="connsiteX0" fmla="*/ 0 w 10000"/>
+              <a:gd name="connsiteY0" fmla="*/ 2000 h 10000"/>
+              <a:gd name="connsiteX1" fmla="*/ 10000 w 10000"/>
+              <a:gd name="connsiteY1" fmla="*/ 0 h 10000"/>
+              <a:gd name="connsiteX2" fmla="*/ 10000 w 10000"/>
+              <a:gd name="connsiteY2" fmla="*/ 10000 h 10000"/>
+              <a:gd name="connsiteX3" fmla="*/ 0 w 10000"/>
+              <a:gd name="connsiteY3" fmla="*/ 10000 h 10000"/>
+              <a:gd name="connsiteX4" fmla="*/ 0 w 10000"/>
+              <a:gd name="connsiteY4" fmla="*/ 2000 h 10000"/>
+              <a:gd name="connsiteX0" fmla="*/ 0 w 10000"/>
+              <a:gd name="connsiteY0" fmla="*/ 0 h 8000"/>
+              <a:gd name="connsiteX1" fmla="*/ 9976 w 10000"/>
+              <a:gd name="connsiteY1" fmla="*/ 396 h 8000"/>
+              <a:gd name="connsiteX2" fmla="*/ 10000 w 10000"/>
+              <a:gd name="connsiteY2" fmla="*/ 8000 h 8000"/>
+              <a:gd name="connsiteX3" fmla="*/ 0 w 10000"/>
+              <a:gd name="connsiteY3" fmla="*/ 8000 h 8000"/>
+              <a:gd name="connsiteX4" fmla="*/ 0 w 10000"/>
+              <a:gd name="connsiteY4" fmla="*/ 0 h 8000"/>
+              <a:gd name="connsiteX0" fmla="*/ 0 w 10000"/>
+              <a:gd name="connsiteY0" fmla="*/ 0 h 10000"/>
+              <a:gd name="connsiteX1" fmla="*/ 9992 w 10000"/>
+              <a:gd name="connsiteY1" fmla="*/ 39 h 10000"/>
+              <a:gd name="connsiteX2" fmla="*/ 10000 w 10000"/>
+              <a:gd name="connsiteY2" fmla="*/ 10000 h 10000"/>
+              <a:gd name="connsiteX3" fmla="*/ 0 w 10000"/>
+              <a:gd name="connsiteY3" fmla="*/ 10000 h 10000"/>
+              <a:gd name="connsiteX4" fmla="*/ 0 w 10000"/>
+              <a:gd name="connsiteY4" fmla="*/ 0 h 10000"/>
+            </a:gdLst>
+            <a:ahLst/>
+            <a:cxnLst>
+              <a:cxn ang="0">
+                <a:pos x="connsiteX0" y="connsiteY0"/>
+              </a:cxn>
+              <a:cxn ang="0">
+                <a:pos x="connsiteX1" y="connsiteY1"/>
+              </a:cxn>
+              <a:cxn ang="0">
+                <a:pos x="connsiteX2" y="connsiteY2"/>
+              </a:cxn>
+              <a:cxn ang="0">
+                <a:pos x="connsiteX3" y="connsiteY3"/>
+              </a:cxn>
+              <a:cxn ang="0">
+                <a:pos x="connsiteX4" y="connsiteY4"/>
+              </a:cxn>
+            </a:cxnLst>
+            <a:rect l="l" t="t" r="r" b="b"/>
+            <a:pathLst>
+              <a:path w="10000" h="10000">
+                <a:moveTo>
+                  <a:pt x="0" y="0"/>
+                </a:moveTo>
+                <a:lnTo>
+                  <a:pt x="9992" y="39"/>
+                </a:lnTo>
+                <a:cubicBezTo>
+                  <a:pt x="10000" y="3208"/>
+                  <a:pt x="9992" y="6831"/>
+                  <a:pt x="10000" y="10000"/>
+                </a:cubicBezTo>
+                <a:lnTo>
+                  <a:pt x="0" y="10000"/>
+                </a:lnTo>
+                <a:lnTo>
+                  <a:pt x="0" y="0"/>
+                </a:lnTo>
+                <a:close/>
+              </a:path>
+            </a:pathLst>
+          </a:custGeom>
+          <a:solidFill>
+            <a:schemeClr val="accent4"/>
+          </a:solidFill>
+          <a:ln>
+            <a:noFill/>
+          </a:ln>
+        </p:spPr>
+        <p:style>
+          <a:lnRef idx="2">
+            <a:schemeClr val="accent6">
+              <a:shade val="50000"/>
+            </a:schemeClr>
+          </a:lnRef>
+          <a:fillRef idx="1">
+            <a:schemeClr val="accent6"/>
+          </a:fillRef>
+          <a:effectRef idx="0">
+            <a:schemeClr val="accent6"/>
+          </a:effectRef>
+          <a:fontRef idx="minor">
+            <a:schemeClr val="lt1"/>
+          </a:fontRef>
+        </p:style>
+        <p:txBody>
+          <a:bodyPr rtlCol="0" anchor="ctr"/>
+          <a:lstStyle/>
+          <a:p>
+            <a:pPr algn="ctr"/>
+            <a:endParaRPr lang="es-ES"/>
+          </a:p>
+        </p:txBody>
+      </p:sp>
+      <p:sp>
+        <p:nvSpPr>
+          <p:cNvPr id="4" name="Entrada manual 3"/>
+          <p:cNvSpPr/>
+          <p:nvPr/>
+        </p:nvSpPr>
+        <p:spPr>
+          <a:xfrm flipV="1">
+            <a:off x="7065" y="-12698"/>
+            <a:ext cx="12192000" cy="1036427"/>
+          </a:xfrm>
+          <a:prstGeom prst="flowChartManualInput">
+            <a:avLst/>
+          </a:prstGeom>
+          <a:solidFill>
+            <a:schemeClr val="accent4"/>
+          </a:solidFill>
+          <a:ln>
+            <a:noFill/>
+          </a:ln>
+        </p:spPr>
+        <p:style>
+          <a:lnRef idx="2">
+            <a:schemeClr val="accent6">
+              <a:shade val="50000"/>
+            </a:schemeClr>
+          </a:lnRef>
+          <a:fillRef idx="1">
+            <a:schemeClr val="accent6"/>
+          </a:fillRef>
+          <a:effectRef idx="0">
+            <a:schemeClr val="accent6"/>
+          </a:effectRef>
+          <a:fontRef idx="minor">
+            <a:schemeClr val="lt1"/>
+          </a:fontRef>
+        </p:style>
+        <p:txBody>
+          <a:bodyPr rtlCol="0" anchor="ctr"/>
+          <a:lstStyle/>
+          <a:p>
+            <a:pPr algn="ctr"/>
+            <a:endParaRPr lang="es-ES"/>
+          </a:p>
+        </p:txBody>
+      </p:sp>
+      <p:grpSp>
+        <p:nvGrpSpPr>
+          <p:cNvPr id="7" name="Grupo 6"/>
+          <p:cNvGrpSpPr/>
+          <p:nvPr/>
+        </p:nvGrpSpPr>
+        <p:grpSpPr>
+          <a:xfrm>
+            <a:off x="5639014" y="4849194"/>
+            <a:ext cx="928101" cy="890082"/>
+            <a:chOff x="1351432" y="3941890"/>
+            <a:chExt cx="1520977" cy="1476366"/>
+          </a:xfrm>
+          <a:solidFill>
+            <a:schemeClr val="accent4"/>
+          </a:solidFill>
+        </p:grpSpPr>
+        <p:sp>
+          <p:nvSpPr>
+            <p:cNvPr id="6" name="Elipse 5"/>
+            <p:cNvSpPr/>
+            <p:nvPr/>
+          </p:nvSpPr>
+          <p:spPr>
+            <a:xfrm>
+              <a:off x="1351432" y="3971676"/>
+              <a:ext cx="1520977" cy="1425483"/>
+            </a:xfrm>
+            <a:prstGeom prst="ellipse">
+              <a:avLst/>
+            </a:prstGeom>
+            <a:grpFill/>
+            <a:ln>
+              <a:noFill/>
+            </a:ln>
+          </p:spPr>
+          <p:style>
+            <a:lnRef idx="2">
+              <a:schemeClr val="accent6">
+                <a:shade val="50000"/>
+              </a:schemeClr>
+            </a:lnRef>
+            <a:fillRef idx="1">
+              <a:schemeClr val="accent6"/>
+            </a:fillRef>
+            <a:effectRef idx="0">
+              <a:schemeClr val="accent6"/>
+            </a:effectRef>
+            <a:fontRef idx="minor">
+              <a:schemeClr val="lt1"/>
+            </a:fontRef>
+          </p:style>
+          <p:txBody>
+            <a:bodyPr rtlCol="0" anchor="ctr"/>
+            <a:lstStyle/>
+            <a:p>
+              <a:pPr algn="ctr"/>
+              <a:endParaRPr lang="es-ES"/>
+            </a:p>
+          </p:txBody>
+        </p:sp>
+        <p:pic>
+          <p:nvPicPr>
+            <p:cNvPr id="1026" name="Picture 2" descr="Paw print icon. Animal symbol, vector 8921957 Vector Art at Vecteezy"/>
+            <p:cNvPicPr>
+              <a:picLocks noChangeAspect="1" noChangeArrowheads="1"/>
+            </p:cNvPicPr>
+            <p:nvPr/>
+          </p:nvPicPr>
+          <p:blipFill rotWithShape="1">
+            <a:blip r:embed="rId3" cstate="print">
+              <a:extLst>
+                <a:ext uri="{28A0092B-C50C-407E-A947-70E740481C1C}">
+                  <a14:useLocalDpi xmlns:a14="http://schemas.microsoft.com/office/drawing/2010/main" val="0"/>
+                </a:ext>
+              </a:extLst>
+            </a:blip>
+            <a:srcRect l="47547" r="-1120"/>
+            <a:stretch/>
+          </p:blipFill>
+          <p:spPr bwMode="auto">
+            <a:xfrm>
+              <a:off x="1461053" y="3941890"/>
+              <a:ext cx="1411356" cy="1476366"/>
+            </a:xfrm>
+            <a:prstGeom prst="rect">
+              <a:avLst/>
+            </a:prstGeom>
+            <a:noFill/>
+            <a:ln>
+              <a:noFill/>
+            </a:ln>
+          </p:spPr>
+        </p:pic>
+      </p:grpSp>
+      <p:pic>
+        <p:nvPicPr>
+          <p:cNvPr id="25" name="Imagen 24"/>
+          <p:cNvPicPr>
+            <a:picLocks noChangeAspect="1"/>
+          </p:cNvPicPr>
+          <p:nvPr/>
+        </p:nvPicPr>
+        <p:blipFill>
+          <a:blip r:embed="rId4"/>
+          <a:stretch>
+            <a:fillRect/>
+          </a:stretch>
+        </p:blipFill>
+        <p:spPr>
+          <a:xfrm>
+            <a:off x="6903209" y="6213526"/>
+            <a:ext cx="1892695" cy="697152"/>
+          </a:xfrm>
+          <a:prstGeom prst="rect">
+            <a:avLst/>
+          </a:prstGeom>
+          <a:effectLst>
+            <a:outerShdw blurRad="50800" dist="50800" dir="5400000" algn="ctr" rotWithShape="0">
+              <a:srgbClr val="000000">
+                <a:alpha val="27000"/>
+              </a:srgbClr>
+            </a:outerShdw>
+          </a:effectLst>
+        </p:spPr>
+      </p:pic>
+      <p:sp>
+        <p:nvSpPr>
+          <p:cNvPr id="11" name="CuadroTexto 10"/>
+          <p:cNvSpPr txBox="1"/>
+          <p:nvPr/>
+        </p:nvSpPr>
+        <p:spPr>
+          <a:xfrm>
+            <a:off x="6770694" y="6437553"/>
+            <a:ext cx="2116750" cy="276999"/>
+          </a:xfrm>
+          <a:prstGeom prst="rect">
+            <a:avLst/>
+          </a:prstGeom>
+          <a:noFill/>
+        </p:spPr>
+        <p:txBody>
+          <a:bodyPr wrap="square" rtlCol="0">
+            <a:spAutoFit/>
+          </a:bodyPr>
+          <a:lstStyle/>
+          <a:p>
+            <a:r>
+              <a:rPr lang="es-ES" sz="1200" dirty="0" smtClean="0">
+                <a:latin typeface="Gadugi" panose="020B0502040204020203" pitchFamily="34" charset="0"/>
+                <a:ea typeface="Gadugi" panose="020B0502040204020203" pitchFamily="34" charset="0"/>
+              </a:rPr>
+              <a:t>       Política de privacidad</a:t>
+            </a:r>
+          </a:p>
+        </p:txBody>
+      </p:sp>
+      <p:grpSp>
+        <p:nvGrpSpPr>
+          <p:cNvPr id="21" name="Grupo 20"/>
+          <p:cNvGrpSpPr/>
+          <p:nvPr/>
+        </p:nvGrpSpPr>
+        <p:grpSpPr>
+          <a:xfrm>
+            <a:off x="5310146" y="6213527"/>
+            <a:ext cx="1673232" cy="683525"/>
+            <a:chOff x="4165408" y="6174476"/>
+            <a:chExt cx="1761833" cy="775252"/>
+          </a:xfrm>
+          <a:effectLst>
+            <a:outerShdw blurRad="50800" dist="50800" dir="5400000" algn="ctr" rotWithShape="0">
+              <a:srgbClr val="000000">
+                <a:alpha val="27000"/>
+              </a:srgbClr>
+            </a:outerShdw>
+          </a:effectLst>
+        </p:grpSpPr>
+        <p:pic>
+          <p:nvPicPr>
+            <p:cNvPr id="19" name="Imagen 18"/>
+            <p:cNvPicPr>
+              <a:picLocks noChangeAspect="1"/>
+            </p:cNvPicPr>
+            <p:nvPr/>
+          </p:nvPicPr>
+          <p:blipFill>
+            <a:blip r:embed="rId4"/>
+            <a:stretch>
+              <a:fillRect/>
+            </a:stretch>
+          </p:blipFill>
+          <p:spPr>
+            <a:xfrm>
+              <a:off x="4165408" y="6174476"/>
+              <a:ext cx="1761833" cy="775252"/>
+            </a:xfrm>
+            <a:prstGeom prst="rect">
+              <a:avLst/>
+            </a:prstGeom>
+          </p:spPr>
+        </p:pic>
+        <p:sp>
+          <p:nvSpPr>
+            <p:cNvPr id="12" name="CuadroTexto 11"/>
+            <p:cNvSpPr txBox="1"/>
+            <p:nvPr/>
+          </p:nvSpPr>
+          <p:spPr>
+            <a:xfrm>
+              <a:off x="4446457" y="6438089"/>
+              <a:ext cx="1303656" cy="276999"/>
+            </a:xfrm>
+            <a:prstGeom prst="rect">
+              <a:avLst/>
+            </a:prstGeom>
+            <a:noFill/>
+          </p:spPr>
+          <p:txBody>
+            <a:bodyPr wrap="square" rtlCol="0">
+              <a:spAutoFit/>
+            </a:bodyPr>
+            <a:lstStyle/>
+            <a:p>
+              <a:r>
+                <a:rPr lang="es-ES" sz="1200" dirty="0" smtClean="0">
+                  <a:latin typeface="Gadugi" panose="020B0502040204020203" pitchFamily="34" charset="0"/>
+                  <a:ea typeface="Gadugi" panose="020B0502040204020203" pitchFamily="34" charset="0"/>
+                </a:rPr>
+                <a:t>   Aviso legal</a:t>
+              </a:r>
+            </a:p>
+          </p:txBody>
+        </p:sp>
+      </p:grpSp>
+      <p:grpSp>
+        <p:nvGrpSpPr>
+          <p:cNvPr id="27" name="Grupo 26"/>
+          <p:cNvGrpSpPr/>
+          <p:nvPr/>
+        </p:nvGrpSpPr>
+        <p:grpSpPr>
+          <a:xfrm>
+            <a:off x="8674760" y="6213526"/>
+            <a:ext cx="1761833" cy="697151"/>
+            <a:chOff x="4165408" y="6174476"/>
+            <a:chExt cx="1761833" cy="775252"/>
+          </a:xfrm>
+          <a:effectLst>
+            <a:outerShdw blurRad="50800" dist="50800" dir="5400000" algn="ctr" rotWithShape="0">
+              <a:srgbClr val="000000">
+                <a:alpha val="27000"/>
+              </a:srgbClr>
+            </a:outerShdw>
+          </a:effectLst>
+        </p:grpSpPr>
+        <p:pic>
+          <p:nvPicPr>
+            <p:cNvPr id="28" name="Imagen 27"/>
+            <p:cNvPicPr>
+              <a:picLocks noChangeAspect="1"/>
+            </p:cNvPicPr>
+            <p:nvPr/>
+          </p:nvPicPr>
+          <p:blipFill>
+            <a:blip r:embed="rId4"/>
+            <a:stretch>
+              <a:fillRect/>
+            </a:stretch>
+          </p:blipFill>
+          <p:spPr>
+            <a:xfrm>
+              <a:off x="4165408" y="6174476"/>
+              <a:ext cx="1761833" cy="775252"/>
+            </a:xfrm>
+            <a:prstGeom prst="rect">
+              <a:avLst/>
+            </a:prstGeom>
+          </p:spPr>
+        </p:pic>
+        <p:sp>
+          <p:nvSpPr>
+            <p:cNvPr id="29" name="CuadroTexto 28"/>
+            <p:cNvSpPr txBox="1"/>
+            <p:nvPr/>
+          </p:nvSpPr>
+          <p:spPr>
+            <a:xfrm>
+              <a:off x="4351227" y="6423602"/>
+              <a:ext cx="1457880" cy="276999"/>
+            </a:xfrm>
+            <a:prstGeom prst="rect">
+              <a:avLst/>
+            </a:prstGeom>
+            <a:noFill/>
+          </p:spPr>
+          <p:txBody>
+            <a:bodyPr wrap="square" rtlCol="0">
+              <a:spAutoFit/>
+            </a:bodyPr>
+            <a:lstStyle/>
+            <a:p>
+              <a:r>
+                <a:rPr lang="es-ES" sz="1200" dirty="0" smtClean="0">
+                  <a:latin typeface="Gadugi" panose="020B0502040204020203" pitchFamily="34" charset="0"/>
+                  <a:ea typeface="Gadugi" panose="020B0502040204020203" pitchFamily="34" charset="0"/>
+                </a:rPr>
+                <a:t>Política de cookies</a:t>
+              </a:r>
+            </a:p>
+          </p:txBody>
+        </p:sp>
+      </p:grpSp>
+      <p:grpSp>
+        <p:nvGrpSpPr>
+          <p:cNvPr id="30" name="Grupo 29"/>
+          <p:cNvGrpSpPr/>
+          <p:nvPr/>
+        </p:nvGrpSpPr>
+        <p:grpSpPr>
+          <a:xfrm>
+            <a:off x="10318459" y="6213527"/>
+            <a:ext cx="1809516" cy="683525"/>
+            <a:chOff x="4165408" y="6174476"/>
+            <a:chExt cx="1761833" cy="775252"/>
+          </a:xfrm>
+          <a:effectLst>
+            <a:outerShdw blurRad="50800" dist="50800" dir="5400000" algn="ctr" rotWithShape="0">
+              <a:srgbClr val="000000">
+                <a:alpha val="27000"/>
+              </a:srgbClr>
+            </a:outerShdw>
+          </a:effectLst>
+        </p:grpSpPr>
+        <p:pic>
+          <p:nvPicPr>
+            <p:cNvPr id="31" name="Imagen 30"/>
+            <p:cNvPicPr>
+              <a:picLocks noChangeAspect="1"/>
+            </p:cNvPicPr>
+            <p:nvPr/>
+          </p:nvPicPr>
+          <p:blipFill>
+            <a:blip r:embed="rId4"/>
+            <a:stretch>
+              <a:fillRect/>
+            </a:stretch>
+          </p:blipFill>
+          <p:spPr>
+            <a:xfrm>
+              <a:off x="4165408" y="6174476"/>
+              <a:ext cx="1761833" cy="775252"/>
+            </a:xfrm>
+            <a:prstGeom prst="rect">
+              <a:avLst/>
+            </a:prstGeom>
+          </p:spPr>
+        </p:pic>
+        <p:sp>
+          <p:nvSpPr>
+            <p:cNvPr id="32" name="CuadroTexto 31"/>
+            <p:cNvSpPr txBox="1"/>
+            <p:nvPr/>
+          </p:nvSpPr>
+          <p:spPr>
+            <a:xfrm>
+              <a:off x="4384307" y="6438089"/>
+              <a:ext cx="1303656" cy="276999"/>
+            </a:xfrm>
+            <a:prstGeom prst="rect">
+              <a:avLst/>
+            </a:prstGeom>
+            <a:noFill/>
+          </p:spPr>
+          <p:txBody>
+            <a:bodyPr wrap="square" rtlCol="0">
+              <a:spAutoFit/>
+            </a:bodyPr>
+            <a:lstStyle/>
+            <a:p>
+              <a:r>
+                <a:rPr lang="es-ES" sz="1200" dirty="0" smtClean="0">
+                  <a:latin typeface="Gadugi" panose="020B0502040204020203" pitchFamily="34" charset="0"/>
+                  <a:ea typeface="Gadugi" panose="020B0502040204020203" pitchFamily="34" charset="0"/>
+                </a:rPr>
+                <a:t>Términos de uso</a:t>
+              </a:r>
+            </a:p>
+          </p:txBody>
+        </p:sp>
+      </p:grpSp>
+      <p:sp>
+        <p:nvSpPr>
+          <p:cNvPr id="23" name="Rectángulo 22"/>
+          <p:cNvSpPr/>
+          <p:nvPr/>
+        </p:nvSpPr>
+        <p:spPr>
+          <a:xfrm>
+            <a:off x="-276918" y="6283664"/>
+            <a:ext cx="2555451" cy="584775"/>
+          </a:xfrm>
+          <a:prstGeom prst="rect">
+            <a:avLst/>
+          </a:prstGeom>
+          <a:noFill/>
+        </p:spPr>
+        <p:txBody>
+          <a:bodyPr wrap="square" lIns="91440" tIns="45720" rIns="91440" bIns="45720">
+            <a:spAutoFit/>
+          </a:bodyPr>
+          <a:lstStyle/>
+          <a:p>
+            <a:pPr algn="ctr"/>
+            <a:r>
+              <a:rPr lang="es-ES" sz="3200" b="1" cap="none" spc="0" dirty="0" err="1" smtClean="0">
+                <a:ln w="0"/>
+                <a:solidFill>
+                  <a:schemeClr val="tx1"/>
+                </a:solidFill>
+                <a:effectLst>
+                  <a:outerShdw blurRad="38100" dist="38100" dir="2700000" algn="tl">
+                    <a:srgbClr val="000000">
+                      <a:alpha val="43137"/>
+                    </a:srgbClr>
+                  </a:outerShdw>
+                </a:effectLst>
+                <a:latin typeface="Gadugi" panose="020B0502040204020203" pitchFamily="34" charset="0"/>
+                <a:ea typeface="Gadugi" panose="020B0502040204020203" pitchFamily="34" charset="0"/>
+                <a:cs typeface="MV Boli" panose="02000500030200090000" pitchFamily="2" charset="0"/>
+              </a:rPr>
+              <a:t>Kandog</a:t>
+            </a:r>
+            <a:endParaRPr lang="es-ES" sz="3600" b="1" cap="none" spc="0" dirty="0">
+              <a:ln w="0"/>
+              <a:solidFill>
+                <a:schemeClr val="tx1"/>
+              </a:solidFill>
+              <a:effectLst>
+                <a:outerShdw blurRad="38100" dist="38100" dir="2700000" algn="tl">
+                  <a:srgbClr val="000000">
+                    <a:alpha val="43137"/>
+                  </a:srgbClr>
+                </a:outerShdw>
+              </a:effectLst>
+              <a:latin typeface="Gadugi" panose="020B0502040204020203" pitchFamily="34" charset="0"/>
+              <a:ea typeface="Gadugi" panose="020B0502040204020203" pitchFamily="34" charset="0"/>
+              <a:cs typeface="MV Boli" panose="02000500030200090000" pitchFamily="2" charset="0"/>
+            </a:endParaRPr>
+          </a:p>
+        </p:txBody>
+      </p:sp>
+      <p:grpSp>
+        <p:nvGrpSpPr>
+          <p:cNvPr id="34" name="Grupo 33"/>
+          <p:cNvGrpSpPr/>
+          <p:nvPr/>
+        </p:nvGrpSpPr>
+        <p:grpSpPr>
+          <a:xfrm>
+            <a:off x="1841836" y="6213526"/>
+            <a:ext cx="1982632" cy="683525"/>
+            <a:chOff x="4165408" y="6174476"/>
+            <a:chExt cx="1761833" cy="775252"/>
+          </a:xfrm>
+          <a:noFill/>
+          <a:effectLst>
+            <a:outerShdw blurRad="50800" dist="50800" dir="5400000" algn="ctr" rotWithShape="0">
+              <a:srgbClr val="000000">
+                <a:alpha val="84000"/>
+              </a:srgbClr>
+            </a:outerShdw>
+          </a:effectLst>
+        </p:grpSpPr>
+        <p:pic>
+          <p:nvPicPr>
+            <p:cNvPr id="35" name="Imagen 34"/>
+            <p:cNvPicPr>
+              <a:picLocks noChangeAspect="1"/>
+            </p:cNvPicPr>
+            <p:nvPr/>
+          </p:nvPicPr>
+          <p:blipFill>
+            <a:blip r:embed="rId4"/>
+            <a:stretch>
+              <a:fillRect/>
+            </a:stretch>
+          </p:blipFill>
+          <p:spPr>
+            <a:xfrm>
+              <a:off x="4165408" y="6174476"/>
+              <a:ext cx="1761833" cy="775252"/>
+            </a:xfrm>
+            <a:prstGeom prst="rect">
+              <a:avLst/>
+            </a:prstGeom>
+            <a:grpFill/>
+            <a:ln>
+              <a:noFill/>
+            </a:ln>
+          </p:spPr>
+        </p:pic>
+        <p:sp>
+          <p:nvSpPr>
+            <p:cNvPr id="36" name="CuadroTexto 35"/>
+            <p:cNvSpPr txBox="1"/>
+            <p:nvPr/>
+          </p:nvSpPr>
+          <p:spPr>
+            <a:xfrm>
+              <a:off x="4446457" y="6438089"/>
+              <a:ext cx="1303656" cy="314171"/>
+            </a:xfrm>
+            <a:prstGeom prst="rect">
+              <a:avLst/>
+            </a:prstGeom>
+            <a:grpFill/>
+            <a:ln>
+              <a:noFill/>
+            </a:ln>
+          </p:spPr>
+          <p:txBody>
+            <a:bodyPr wrap="square" rtlCol="0">
+              <a:spAutoFit/>
+            </a:bodyPr>
+            <a:lstStyle/>
+            <a:p>
+              <a:r>
+                <a:rPr lang="es-ES" sz="1200" dirty="0" smtClean="0">
+                  <a:latin typeface="Gadugi" panose="020B0502040204020203" pitchFamily="34" charset="0"/>
+                  <a:ea typeface="Gadugi" panose="020B0502040204020203" pitchFamily="34" charset="0"/>
+                </a:rPr>
+                <a:t>  Sobre nosotros</a:t>
+              </a:r>
+            </a:p>
+          </p:txBody>
+        </p:sp>
+      </p:grpSp>
+    </p:spTree>
+    <p:extLst>
+      <p:ext uri="{BB962C8B-B14F-4D97-AF65-F5344CB8AC3E}">
+        <p14:creationId xmlns:p14="http://schemas.microsoft.com/office/powerpoint/2010/main" val="3165756583"/>
+      </p:ext>
+    </p:extLst>
+  </p:cSld>
+  <p:clrMapOvr>
+    <a:masterClrMapping/>
+  </p:clrMapOvr>
+  <p:timing>
+    <p:tnLst>
+      <p:par>
+        <p:cTn id="1" dur="indefinite" restart="never" nodeType="tmRoot"/>
+      </p:par>
+    </p:tnLst>
+  </p:timing>
+</p:sld>
+</file>
+
+<file path=ppt/slides/slide3.xml><?xml version="1.0" encoding="utf-8"?>
+<p:sld xmlns:a="http://schemas.openxmlformats.org/drawingml/2006/main" xmlns:r="http://schemas.openxmlformats.org/officeDocument/2006/relationships" xmlns:p="http://schemas.openxmlformats.org/presentationml/2006/main">
+  <p:cSld>
     <p:spTree>
       <p:nvGrpSpPr>
         <p:cNvPr id="1" name=""/>
@@ -3104,10 +5361,17 @@
   <p:clrMapOvr>
     <a:masterClrMapping/>
   </p:clrMapOvr>
+  <p:timing>
+    <p:tnLst>
+      <p:par>
+        <p:cTn id="1" dur="indefinite" restart="never" nodeType="tmRoot"/>
+      </p:par>
+    </p:tnLst>
+  </p:timing>
 </p:sld>
 </file>
 
-<file path=ppt/slides/slide3.xml><?xml version="1.0" encoding="utf-8"?>
+<file path=ppt/slides/slide4.xml><?xml version="1.0" encoding="utf-8"?>
 <p:sld xmlns:a="http://schemas.openxmlformats.org/drawingml/2006/main" xmlns:r="http://schemas.openxmlformats.org/officeDocument/2006/relationships" xmlns:p="http://schemas.openxmlformats.org/presentationml/2006/main">
   <p:cSld>
     <p:spTree>
@@ -3137,7 +5401,7 @@
 </p:sld>
 </file>
 
-<file path=ppt/slides/slide4.xml><?xml version="1.0" encoding="utf-8"?>
+<file path=ppt/slides/slide5.xml><?xml version="1.0" encoding="utf-8"?>
 <p:sld xmlns:a="http://schemas.openxmlformats.org/drawingml/2006/main" xmlns:r="http://schemas.openxmlformats.org/officeDocument/2006/relationships" xmlns:p="http://schemas.openxmlformats.org/presentationml/2006/main">
   <p:cSld>
     <p:spTree>
@@ -3167,7 +5431,7 @@
 </p:sld>
 </file>
 
-<file path=ppt/slides/slide5.xml><?xml version="1.0" encoding="utf-8"?>
+<file path=ppt/slides/slide6.xml><?xml version="1.0" encoding="utf-8"?>
 <p:sld xmlns:a="http://schemas.openxmlformats.org/drawingml/2006/main" xmlns:r="http://schemas.openxmlformats.org/officeDocument/2006/relationships" xmlns:p="http://schemas.openxmlformats.org/presentationml/2006/main">
   <p:cSld>
     <p:spTree>
@@ -3197,7 +5461,7 @@
 </p:sld>
 </file>
 
-<file path=ppt/slides/slide6.xml><?xml version="1.0" encoding="utf-8"?>
+<file path=ppt/slides/slide7.xml><?xml version="1.0" encoding="utf-8"?>
 <p:sld xmlns:a="http://schemas.openxmlformats.org/drawingml/2006/main" xmlns:r="http://schemas.openxmlformats.org/officeDocument/2006/relationships" xmlns:p="http://schemas.openxmlformats.org/presentationml/2006/main">
   <p:cSld>
     <p:spTree>
@@ -3227,7 +5491,7 @@
 </p:sld>
 </file>
 
-<file path=ppt/slides/slide7.xml><?xml version="1.0" encoding="utf-8"?>
+<file path=ppt/slides/slide8.xml><?xml version="1.0" encoding="utf-8"?>
 <p:sld xmlns:a="http://schemas.openxmlformats.org/drawingml/2006/main" xmlns:r="http://schemas.openxmlformats.org/officeDocument/2006/relationships" xmlns:p="http://schemas.openxmlformats.org/presentationml/2006/main">
   <p:cSld>
     <p:spTree>
@@ -3257,7 +5521,7 @@
 </p:sld>
 </file>
 
-<file path=ppt/slides/slide8.xml><?xml version="1.0" encoding="utf-8"?>
+<file path=ppt/slides/slide9.xml><?xml version="1.0" encoding="utf-8"?>
 <p:sld xmlns:a="http://schemas.openxmlformats.org/drawingml/2006/main" xmlns:r="http://schemas.openxmlformats.org/officeDocument/2006/relationships" xmlns:p="http://schemas.openxmlformats.org/presentationml/2006/main">
   <p:cSld>
     <p:spTree>
@@ -3278,36 +5542,6 @@
     <p:extLst>
       <p:ext uri="{BB962C8B-B14F-4D97-AF65-F5344CB8AC3E}">
         <p14:creationId xmlns:p14="http://schemas.microsoft.com/office/powerpoint/2010/main" val="4294592007"/>
-      </p:ext>
-    </p:extLst>
-  </p:cSld>
-  <p:clrMapOvr>
-    <a:masterClrMapping/>
-  </p:clrMapOvr>
-</p:sld>
-</file>
-
-<file path=ppt/slides/slide9.xml><?xml version="1.0" encoding="utf-8"?>
-<p:sld xmlns:a="http://schemas.openxmlformats.org/drawingml/2006/main" xmlns:r="http://schemas.openxmlformats.org/officeDocument/2006/relationships" xmlns:p="http://schemas.openxmlformats.org/presentationml/2006/main">
-  <p:cSld>
-    <p:spTree>
-      <p:nvGrpSpPr>
-        <p:cNvPr id="1" name=""/>
-        <p:cNvGrpSpPr/>
-        <p:nvPr/>
-      </p:nvGrpSpPr>
-      <p:grpSpPr>
-        <a:xfrm>
-          <a:off x="0" y="0"/>
-          <a:ext cx="0" cy="0"/>
-          <a:chOff x="0" y="0"/>
-          <a:chExt cx="0" cy="0"/>
-        </a:xfrm>
-      </p:grpSpPr>
-    </p:spTree>
-    <p:extLst>
-      <p:ext uri="{BB962C8B-B14F-4D97-AF65-F5344CB8AC3E}">
-        <p14:creationId xmlns:p14="http://schemas.microsoft.com/office/powerpoint/2010/main" val="3415053262"/>
       </p:ext>
     </p:extLst>
   </p:cSld>
@@ -3576,4 +5810,265 @@
     </a:ext>
   </a:extLst>
 </a:theme>
+</file>
+
+<file path=ppt/theme/theme2.xml><?xml version="1.0" encoding="utf-8"?>
+<a:theme xmlns:a="http://schemas.openxmlformats.org/drawingml/2006/main" name="Tema de Office">
+  <a:themeElements>
+    <a:clrScheme name="Office">
+      <a:dk1>
+        <a:sysClr val="windowText" lastClr="000000"/>
+      </a:dk1>
+      <a:lt1>
+        <a:sysClr val="window" lastClr="FFFFFF"/>
+      </a:lt1>
+      <a:dk2>
+        <a:srgbClr val="44546A"/>
+      </a:dk2>
+      <a:lt2>
+        <a:srgbClr val="E7E6E6"/>
+      </a:lt2>
+      <a:accent1>
+        <a:srgbClr val="5B9BD5"/>
+      </a:accent1>
+      <a:accent2>
+        <a:srgbClr val="ED7D31"/>
+      </a:accent2>
+      <a:accent3>
+        <a:srgbClr val="A5A5A5"/>
+      </a:accent3>
+      <a:accent4>
+        <a:srgbClr val="FFC000"/>
+      </a:accent4>
+      <a:accent5>
+        <a:srgbClr val="4472C4"/>
+      </a:accent5>
+      <a:accent6>
+        <a:srgbClr val="70AD47"/>
+      </a:accent6>
+      <a:hlink>
+        <a:srgbClr val="0563C1"/>
+      </a:hlink>
+      <a:folHlink>
+        <a:srgbClr val="954F72"/>
+      </a:folHlink>
+    </a:clrScheme>
+    <a:fontScheme name="Office">
+      <a:majorFont>
+        <a:latin typeface="Calibri Light" panose="020F0302020204030204"/>
+        <a:ea typeface=""/>
+        <a:cs typeface=""/>
+        <a:font script="Jpan" typeface="ＭＳ Ｐゴシック"/>
+        <a:font script="Hang" typeface="맑은 고딕"/>
+        <a:font script="Hans" typeface="宋体"/>
+        <a:font script="Hant" typeface="新細明體"/>
+        <a:font script="Arab" typeface="Times New Roman"/>
+        <a:font script="Hebr" typeface="Times New Roman"/>
+        <a:font script="Thai" typeface="Angsana New"/>
+        <a:font script="Ethi" typeface="Nyala"/>
+        <a:font script="Beng" typeface="Vrinda"/>
+        <a:font script="Gujr" typeface="Shruti"/>
+        <a:font script="Khmr" typeface="MoolBoran"/>
+        <a:font script="Knda" typeface="Tunga"/>
+        <a:font script="Guru" typeface="Raavi"/>
+        <a:font script="Cans" typeface="Euphemia"/>
+        <a:font script="Cher" typeface="Plantagenet Cherokee"/>
+        <a:font script="Yiii" typeface="Microsoft Yi Baiti"/>
+        <a:font script="Tibt" typeface="Microsoft Himalaya"/>
+        <a:font script="Thaa" typeface="MV Boli"/>
+        <a:font script="Deva" typeface="Mangal"/>
+        <a:font script="Telu" typeface="Gautami"/>
+        <a:font script="Taml" typeface="Latha"/>
+        <a:font script="Syrc" typeface="Estrangelo Edessa"/>
+        <a:font script="Orya" typeface="Kalinga"/>
+        <a:font script="Mlym" typeface="Kartika"/>
+        <a:font script="Laoo" typeface="DokChampa"/>
+        <a:font script="Sinh" typeface="Iskoola Pota"/>
+        <a:font script="Mong" typeface="Mongolian Baiti"/>
+        <a:font script="Viet" typeface="Times New Roman"/>
+        <a:font script="Uigh" typeface="Microsoft Uighur"/>
+        <a:font script="Geor" typeface="Sylfaen"/>
+      </a:majorFont>
+      <a:minorFont>
+        <a:latin typeface="Calibri" panose="020F0502020204030204"/>
+        <a:ea typeface=""/>
+        <a:cs typeface=""/>
+        <a:font script="Jpan" typeface="ＭＳ Ｐゴシック"/>
+        <a:font script="Hang" typeface="맑은 고딕"/>
+        <a:font script="Hans" typeface="宋体"/>
+        <a:font script="Hant" typeface="新細明體"/>
+        <a:font script="Arab" typeface="Arial"/>
+        <a:font script="Hebr" typeface="Arial"/>
+        <a:font script="Thai" typeface="Cordia New"/>
+        <a:font script="Ethi" typeface="Nyala"/>
+        <a:font script="Beng" typeface="Vrinda"/>
+        <a:font script="Gujr" typeface="Shruti"/>
+        <a:font script="Khmr" typeface="DaunPenh"/>
+        <a:font script="Knda" typeface="Tunga"/>
+        <a:font script="Guru" typeface="Raavi"/>
+        <a:font script="Cans" typeface="Euphemia"/>
+        <a:font script="Cher" typeface="Plantagenet Cherokee"/>
+        <a:font script="Yiii" typeface="Microsoft Yi Baiti"/>
+        <a:font script="Tibt" typeface="Microsoft Himalaya"/>
+        <a:font script="Thaa" typeface="MV Boli"/>
+        <a:font script="Deva" typeface="Mangal"/>
+        <a:font script="Telu" typeface="Gautami"/>
+        <a:font script="Taml" typeface="Latha"/>
+        <a:font script="Syrc" typeface="Estrangelo Edessa"/>
+        <a:font script="Orya" typeface="Kalinga"/>
+        <a:font script="Mlym" typeface="Kartika"/>
+        <a:font script="Laoo" typeface="DokChampa"/>
+        <a:font script="Sinh" typeface="Iskoola Pota"/>
+        <a:font script="Mong" typeface="Mongolian Baiti"/>
+        <a:font script="Viet" typeface="Arial"/>
+        <a:font script="Uigh" typeface="Microsoft Uighur"/>
+        <a:font script="Geor" typeface="Sylfaen"/>
+      </a:minorFont>
+    </a:fontScheme>
+    <a:fmtScheme name="Office">
+      <a:fillStyleLst>
+        <a:solidFill>
+          <a:schemeClr val="phClr"/>
+        </a:solidFill>
+        <a:gradFill rotWithShape="1">
+          <a:gsLst>
+            <a:gs pos="0">
+              <a:schemeClr val="phClr">
+                <a:lumMod val="110000"/>
+                <a:satMod val="105000"/>
+                <a:tint val="67000"/>
+              </a:schemeClr>
+            </a:gs>
+            <a:gs pos="50000">
+              <a:schemeClr val="phClr">
+                <a:lumMod val="105000"/>
+                <a:satMod val="103000"/>
+                <a:tint val="73000"/>
+              </a:schemeClr>
+            </a:gs>
+            <a:gs pos="100000">
+              <a:schemeClr val="phClr">
+                <a:lumMod val="105000"/>
+                <a:satMod val="109000"/>
+                <a:tint val="81000"/>
+              </a:schemeClr>
+            </a:gs>
+          </a:gsLst>
+          <a:lin ang="5400000" scaled="0"/>
+        </a:gradFill>
+        <a:gradFill rotWithShape="1">
+          <a:gsLst>
+            <a:gs pos="0">
+              <a:schemeClr val="phClr">
+                <a:satMod val="103000"/>
+                <a:lumMod val="102000"/>
+                <a:tint val="94000"/>
+              </a:schemeClr>
+            </a:gs>
+            <a:gs pos="50000">
+              <a:schemeClr val="phClr">
+                <a:satMod val="110000"/>
+                <a:lumMod val="100000"/>
+                <a:shade val="100000"/>
+              </a:schemeClr>
+            </a:gs>
+            <a:gs pos="100000">
+              <a:schemeClr val="phClr">
+                <a:lumMod val="99000"/>
+                <a:satMod val="120000"/>
+                <a:shade val="78000"/>
+              </a:schemeClr>
+            </a:gs>
+          </a:gsLst>
+          <a:lin ang="5400000" scaled="0"/>
+        </a:gradFill>
+      </a:fillStyleLst>
+      <a:lnStyleLst>
+        <a:ln w="6350" cap="flat" cmpd="sng" algn="ctr">
+          <a:solidFill>
+            <a:schemeClr val="phClr"/>
+          </a:solidFill>
+          <a:prstDash val="solid"/>
+          <a:miter lim="800000"/>
+        </a:ln>
+        <a:ln w="12700" cap="flat" cmpd="sng" algn="ctr">
+          <a:solidFill>
+            <a:schemeClr val="phClr"/>
+          </a:solidFill>
+          <a:prstDash val="solid"/>
+          <a:miter lim="800000"/>
+        </a:ln>
+        <a:ln w="19050" cap="flat" cmpd="sng" algn="ctr">
+          <a:solidFill>
+            <a:schemeClr val="phClr"/>
+          </a:solidFill>
+          <a:prstDash val="solid"/>
+          <a:miter lim="800000"/>
+        </a:ln>
+      </a:lnStyleLst>
+      <a:effectStyleLst>
+        <a:effectStyle>
+          <a:effectLst/>
+        </a:effectStyle>
+        <a:effectStyle>
+          <a:effectLst/>
+        </a:effectStyle>
+        <a:effectStyle>
+          <a:effectLst>
+            <a:outerShdw blurRad="57150" dist="19050" dir="5400000" algn="ctr" rotWithShape="0">
+              <a:srgbClr val="000000">
+                <a:alpha val="63000"/>
+              </a:srgbClr>
+            </a:outerShdw>
+          </a:effectLst>
+        </a:effectStyle>
+      </a:effectStyleLst>
+      <a:bgFillStyleLst>
+        <a:solidFill>
+          <a:schemeClr val="phClr"/>
+        </a:solidFill>
+        <a:solidFill>
+          <a:schemeClr val="phClr">
+            <a:tint val="95000"/>
+            <a:satMod val="170000"/>
+          </a:schemeClr>
+        </a:solidFill>
+        <a:gradFill rotWithShape="1">
+          <a:gsLst>
+            <a:gs pos="0">
+              <a:schemeClr val="phClr">
+                <a:tint val="93000"/>
+                <a:satMod val="150000"/>
+                <a:shade val="98000"/>
+                <a:lumMod val="102000"/>
+              </a:schemeClr>
+            </a:gs>
+            <a:gs pos="50000">
+              <a:schemeClr val="phClr">
+                <a:tint val="98000"/>
+                <a:satMod val="130000"/>
+                <a:shade val="90000"/>
+                <a:lumMod val="103000"/>
+              </a:schemeClr>
+            </a:gs>
+            <a:gs pos="100000">
+              <a:schemeClr val="phClr">
+                <a:shade val="63000"/>
+                <a:satMod val="120000"/>
+              </a:schemeClr>
+            </a:gs>
+          </a:gsLst>
+          <a:lin ang="5400000" scaled="0"/>
+        </a:gradFill>
+      </a:bgFillStyleLst>
+    </a:fmtScheme>
+  </a:themeElements>
+  <a:objectDefaults/>
+  <a:extraClrSchemeLst/>
+  <a:extLst>
+    <a:ext uri="{05A4C25C-085E-4340-85A3-A5531E510DB2}">
+      <thm15:themeFamily xmlns:thm15="http://schemas.microsoft.com/office/thememl/2012/main" name="Office Theme" id="{62F939B6-93AF-4DB8-9C6B-D6C7DFDC589F}" vid="{4A3C46E8-61CC-4603-A589-7422A47A8E4A}"/>
+    </a:ext>
+  </a:extLst>
+</a:theme>
 </file>